--- a/doc/実装している特徴ベクトル生成クラスの仕様.pptx
+++ b/doc/実装している特徴ベクトル生成クラスの仕様.pptx
@@ -7,17 +7,21 @@
   <p:sldIdLst>
     <p:sldId id="301" r:id="rId2"/>
     <p:sldId id="296" r:id="rId3"/>
-    <p:sldId id="307" r:id="rId4"/>
-    <p:sldId id="266" r:id="rId5"/>
-    <p:sldId id="306" r:id="rId6"/>
-    <p:sldId id="262" r:id="rId7"/>
-    <p:sldId id="267" r:id="rId8"/>
-    <p:sldId id="270" r:id="rId9"/>
-    <p:sldId id="271" r:id="rId10"/>
-    <p:sldId id="295" r:id="rId11"/>
-    <p:sldId id="302" r:id="rId12"/>
-    <p:sldId id="303" r:id="rId13"/>
-    <p:sldId id="272" r:id="rId14"/>
+    <p:sldId id="309" r:id="rId4"/>
+    <p:sldId id="312" r:id="rId5"/>
+    <p:sldId id="313" r:id="rId6"/>
+    <p:sldId id="307" r:id="rId7"/>
+    <p:sldId id="266" r:id="rId8"/>
+    <p:sldId id="306" r:id="rId9"/>
+    <p:sldId id="262" r:id="rId10"/>
+    <p:sldId id="267" r:id="rId11"/>
+    <p:sldId id="308" r:id="rId12"/>
+    <p:sldId id="270" r:id="rId13"/>
+    <p:sldId id="271" r:id="rId14"/>
+    <p:sldId id="295" r:id="rId15"/>
+    <p:sldId id="302" r:id="rId16"/>
+    <p:sldId id="303" r:id="rId17"/>
+    <p:sldId id="272" r:id="rId18"/>
   </p:sldIdLst>
   <p:sldSz cx="9144000" cy="6858000" type="screen4x3"/>
   <p:notesSz cx="6858000" cy="9144000"/>
@@ -116,6 +120,22 @@
       </a:defRPr>
     </a:lvl9pPr>
   </p:defaultTextStyle>
+  <p:extLst>
+    <p:ext uri="{EFAFB233-063F-42B5-8137-9DF3F51BA10A}">
+      <p15:sldGuideLst xmlns:p15="http://schemas.microsoft.com/office/powerpoint/2012/main">
+        <p15:guide id="1" orient="horz" pos="2160">
+          <p15:clr>
+            <a:srgbClr val="A4A3A4"/>
+          </p15:clr>
+        </p15:guide>
+        <p15:guide id="2" pos="2880">
+          <p15:clr>
+            <a:srgbClr val="A4A3A4"/>
+          </p15:clr>
+        </p15:guide>
+      </p15:sldGuideLst>
+    </p:ext>
+  </p:extLst>
 </p:presentation>
 </file>
 
@@ -1931,7 +1951,7 @@
           <a:p>
             <a:fld id="{E90ED720-0104-4369-84BC-D37694168613}" type="datetimeFigureOut">
               <a:rPr kumimoji="1" lang="ja-JP" altLang="en-US" smtClean="0"/>
-              <a:t>2013/3/24</a:t>
+              <a:t>2017/3/5</a:t>
             </a:fld>
             <a:endParaRPr kumimoji="1" lang="ja-JP" altLang="en-US"/>
           </a:p>
@@ -2144,7 +2164,7 @@
           <a:p>
             <a:fld id="{E90ED720-0104-4369-84BC-D37694168613}" type="datetimeFigureOut">
               <a:rPr kumimoji="1" lang="ja-JP" altLang="en-US" smtClean="0"/>
-              <a:t>2013/3/24</a:t>
+              <a:t>2017/3/5</a:t>
             </a:fld>
             <a:endParaRPr kumimoji="1" lang="ja-JP" altLang="en-US"/>
           </a:p>
@@ -2295,7 +2315,7 @@
           <a:p>
             <a:fld id="{E90ED720-0104-4369-84BC-D37694168613}" type="datetimeFigureOut">
               <a:rPr kumimoji="1" lang="ja-JP" altLang="en-US" smtClean="0"/>
-              <a:t>2013/3/24</a:t>
+              <a:t>2017/3/5</a:t>
             </a:fld>
             <a:endParaRPr kumimoji="1" lang="ja-JP" altLang="en-US"/>
           </a:p>
@@ -4185,7 +4205,7 @@
           <a:p>
             <a:fld id="{E90ED720-0104-4369-84BC-D37694168613}" type="datetimeFigureOut">
               <a:rPr kumimoji="1" lang="ja-JP" altLang="en-US" smtClean="0"/>
-              <a:t>2013/3/24</a:t>
+              <a:t>2017/3/5</a:t>
             </a:fld>
             <a:endParaRPr kumimoji="1" lang="ja-JP" altLang="en-US"/>
           </a:p>
@@ -6055,7 +6075,7 @@
           <a:p>
             <a:fld id="{E90ED720-0104-4369-84BC-D37694168613}" type="datetimeFigureOut">
               <a:rPr kumimoji="1" lang="ja-JP" altLang="en-US" smtClean="0"/>
-              <a:t>2013/3/24</a:t>
+              <a:t>2017/3/5</a:t>
             </a:fld>
             <a:endParaRPr kumimoji="1" lang="ja-JP" altLang="en-US"/>
           </a:p>
@@ -6168,7 +6188,7 @@
           <a:p>
             <a:fld id="{E90ED720-0104-4369-84BC-D37694168613}" type="datetimeFigureOut">
               <a:rPr kumimoji="1" lang="ja-JP" altLang="en-US" smtClean="0"/>
-              <a:t>2013/3/24</a:t>
+              <a:t>2017/3/5</a:t>
             </a:fld>
             <a:endParaRPr kumimoji="1" lang="ja-JP" altLang="en-US"/>
           </a:p>
@@ -6837,7 +6857,7 @@
           <a:p>
             <a:fld id="{E90ED720-0104-4369-84BC-D37694168613}" type="datetimeFigureOut">
               <a:rPr kumimoji="1" lang="ja-JP" altLang="en-US" smtClean="0"/>
-              <a:t>2013/3/24</a:t>
+              <a:t>2017/3/5</a:t>
             </a:fld>
             <a:endParaRPr kumimoji="1" lang="ja-JP" altLang="en-US"/>
           </a:p>
@@ -6950,7 +6970,7 @@
           <a:p>
             <a:fld id="{E90ED720-0104-4369-84BC-D37694168613}" type="datetimeFigureOut">
               <a:rPr kumimoji="1" lang="ja-JP" altLang="en-US" smtClean="0"/>
-              <a:t>2013/3/24</a:t>
+              <a:t>2017/3/5</a:t>
             </a:fld>
             <a:endParaRPr kumimoji="1" lang="ja-JP" altLang="en-US"/>
           </a:p>
@@ -8661,7 +8681,7 @@
           <a:p>
             <a:fld id="{E90ED720-0104-4369-84BC-D37694168613}" type="datetimeFigureOut">
               <a:rPr kumimoji="1" lang="ja-JP" altLang="en-US" smtClean="0"/>
-              <a:t>2013/3/24</a:t>
+              <a:t>2017/3/5</a:t>
             </a:fld>
             <a:endParaRPr kumimoji="1" lang="ja-JP" altLang="en-US"/>
           </a:p>
@@ -8812,7 +8832,7 @@
           <a:p>
             <a:fld id="{E90ED720-0104-4369-84BC-D37694168613}" type="datetimeFigureOut">
               <a:rPr kumimoji="1" lang="ja-JP" altLang="en-US" smtClean="0"/>
-              <a:t>2013/3/24</a:t>
+              <a:t>2017/3/5</a:t>
             </a:fld>
             <a:endParaRPr kumimoji="1" lang="ja-JP" altLang="en-US"/>
           </a:p>
@@ -12459,7 +12479,7 @@
           <a:p>
             <a:fld id="{E90ED720-0104-4369-84BC-D37694168613}" type="datetimeFigureOut">
               <a:rPr kumimoji="1" lang="ja-JP" altLang="en-US" smtClean="0"/>
-              <a:t>2013/3/24</a:t>
+              <a:t>2017/3/5</a:t>
             </a:fld>
             <a:endParaRPr kumimoji="1" lang="ja-JP" altLang="en-US"/>
           </a:p>
@@ -14318,7 +14338,7 @@
           <a:p>
             <a:fld id="{E90ED720-0104-4369-84BC-D37694168613}" type="datetimeFigureOut">
               <a:rPr kumimoji="1" lang="ja-JP" altLang="en-US" smtClean="0"/>
-              <a:t>2013/3/24</a:t>
+              <a:t>2017/3/5</a:t>
             </a:fld>
             <a:endParaRPr kumimoji="1" lang="ja-JP" altLang="en-US"/>
           </a:p>
@@ -14933,7 +14953,7 @@
             </a:r>
             <a:r>
               <a:rPr lang="en-US" altLang="ja-JP" dirty="0" smtClean="0"/>
-              <a:t>2013/3/24</a:t>
+              <a:t>2017/03/05</a:t>
             </a:r>
             <a:endParaRPr lang="en-US" altLang="ja-JP" dirty="0"/>
           </a:p>
@@ -14967,6 +14987,547 @@
 </file>
 
 <file path=ppt/slides/slide10.xml><?xml version="1.0" encoding="utf-8"?>
+<p:sld xmlns:a="http://schemas.openxmlformats.org/drawingml/2006/main" xmlns:r="http://schemas.openxmlformats.org/officeDocument/2006/relationships" xmlns:p="http://schemas.openxmlformats.org/presentationml/2006/main">
+  <p:cSld>
+    <p:spTree>
+      <p:nvGrpSpPr>
+        <p:cNvPr id="1" name=""/>
+        <p:cNvGrpSpPr/>
+        <p:nvPr/>
+      </p:nvGrpSpPr>
+      <p:grpSpPr>
+        <a:xfrm>
+          <a:off x="0" y="0"/>
+          <a:ext cx="0" cy="0"/>
+          <a:chOff x="0" y="0"/>
+          <a:chExt cx="0" cy="0"/>
+        </a:xfrm>
+      </p:grpSpPr>
+      <p:sp>
+        <p:nvSpPr>
+          <p:cNvPr id="5" name="コンテンツ プレースホルダー 4"/>
+          <p:cNvSpPr>
+            <a:spLocks noGrp="1"/>
+          </p:cNvSpPr>
+          <p:nvPr>
+            <p:ph idx="1"/>
+          </p:nvPr>
+        </p:nvSpPr>
+        <p:spPr>
+          <a:xfrm>
+            <a:off x="323528" y="4581128"/>
+            <a:ext cx="8424936" cy="2049091"/>
+          </a:xfrm>
+        </p:spPr>
+        <p:txBody>
+          <a:bodyPr/>
+          <a:lstStyle/>
+          <a:p>
+            <a:r>
+              <a:rPr kumimoji="1" lang="ja-JP" altLang="en-US" dirty="0" smtClean="0"/>
+              <a:t>帯域パワースペクトル密度（</a:t>
+            </a:r>
+            <a:r>
+              <a:rPr kumimoji="1" lang="en-US" altLang="ja-JP" dirty="0" smtClean="0"/>
+              <a:t>PSD</a:t>
+            </a:r>
+            <a:r>
+              <a:rPr kumimoji="1" lang="ja-JP" altLang="en-US" dirty="0" smtClean="0"/>
+              <a:t>）の最低レベルの検出と統計的に外れ値を検出することで発声区間を認識している</a:t>
+            </a:r>
+            <a:endParaRPr kumimoji="1" lang="en-US" altLang="ja-JP" dirty="0" smtClean="0"/>
+          </a:p>
+          <a:p>
+            <a:r>
+              <a:rPr lang="ja-JP" altLang="en-US" dirty="0" smtClean="0"/>
+              <a:t>分散値・最低値の更新のために、デフォルトでは</a:t>
+            </a:r>
+            <a:r>
+              <a:rPr lang="en-US" altLang="ja-JP" dirty="0" smtClean="0"/>
+              <a:t>10</a:t>
+            </a:r>
+            <a:r>
+              <a:rPr lang="ja-JP" altLang="en-US" dirty="0" smtClean="0"/>
+              <a:t>秒間ほどデータを保持する（リングバッファを実装）</a:t>
+            </a:r>
+            <a:endParaRPr kumimoji="1" lang="ja-JP" altLang="en-US" dirty="0"/>
+          </a:p>
+        </p:txBody>
+      </p:sp>
+      <p:sp>
+        <p:nvSpPr>
+          <p:cNvPr id="4" name="タイトル 3"/>
+          <p:cNvSpPr>
+            <a:spLocks noGrp="1"/>
+          </p:cNvSpPr>
+          <p:nvPr>
+            <p:ph type="title"/>
+          </p:nvPr>
+        </p:nvSpPr>
+        <p:spPr/>
+        <p:txBody>
+          <a:bodyPr>
+            <a:normAutofit fontScale="90000"/>
+          </a:bodyPr>
+          <a:lstStyle/>
+          <a:p>
+            <a:r>
+              <a:rPr kumimoji="1" lang="ja-JP" altLang="en-US" dirty="0" smtClean="0"/>
+              <a:t>アルゴリズムは</a:t>
+            </a:r>
+            <a:r>
+              <a:rPr kumimoji="1" lang="en-US" altLang="ja-JP" dirty="0" smtClean="0"/>
+              <a:t/>
+            </a:r>
+            <a:br>
+              <a:rPr kumimoji="1" lang="en-US" altLang="ja-JP" dirty="0" smtClean="0"/>
+            </a:br>
+            <a:r>
+              <a:rPr kumimoji="1" lang="ja-JP" altLang="en-US" dirty="0" smtClean="0"/>
+              <a:t>リアルタイム検出向け</a:t>
+            </a:r>
+            <a:endParaRPr kumimoji="1" lang="ja-JP" altLang="en-US" dirty="0"/>
+          </a:p>
+        </p:txBody>
+      </p:sp>
+      <p:pic>
+        <p:nvPicPr>
+          <p:cNvPr id="1028" name="Picture 4"/>
+          <p:cNvPicPr>
+            <a:picLocks noChangeAspect="1" noChangeArrowheads="1"/>
+          </p:cNvPicPr>
+          <p:nvPr/>
+        </p:nvPicPr>
+        <p:blipFill>
+          <a:blip r:embed="rId2">
+            <a:extLst>
+              <a:ext uri="{28A0092B-C50C-407E-A947-70E740481C1C}">
+                <a14:useLocalDpi xmlns:a14="http://schemas.microsoft.com/office/drawing/2010/main" val="0"/>
+              </a:ext>
+            </a:extLst>
+          </a:blip>
+          <a:srcRect/>
+          <a:stretch>
+            <a:fillRect/>
+          </a:stretch>
+        </p:blipFill>
+        <p:spPr bwMode="auto">
+          <a:xfrm>
+            <a:off x="35496" y="1916832"/>
+            <a:ext cx="8954453" cy="2448272"/>
+          </a:xfrm>
+          <a:prstGeom prst="rect">
+            <a:avLst/>
+          </a:prstGeom>
+          <a:noFill/>
+          <a:ln>
+            <a:noFill/>
+          </a:ln>
+          <a:effectLst/>
+          <a:extLst>
+            <a:ext uri="{909E8E84-426E-40DD-AFC4-6F175D3DCCD1}">
+              <a14:hiddenFill xmlns:a14="http://schemas.microsoft.com/office/drawing/2010/main">
+                <a:solidFill>
+                  <a:schemeClr val="accent1"/>
+                </a:solidFill>
+              </a14:hiddenFill>
+            </a:ext>
+            <a:ext uri="{91240B29-F687-4F45-9708-019B960494DF}">
+              <a14:hiddenLine xmlns:a14="http://schemas.microsoft.com/office/drawing/2010/main" w="9525">
+                <a:solidFill>
+                  <a:schemeClr val="tx1"/>
+                </a:solidFill>
+                <a:miter lim="800000"/>
+                <a:headEnd/>
+                <a:tailEnd/>
+              </a14:hiddenLine>
+            </a:ext>
+            <a:ext uri="{AF507438-7753-43E0-B8FC-AC1667EBCBE1}">
+              <a14:hiddenEffects xmlns:a14="http://schemas.microsoft.com/office/drawing/2010/main">
+                <a:effectLst>
+                  <a:outerShdw dist="35921" dir="2700000" algn="ctr" rotWithShape="0">
+                    <a:schemeClr val="bg2"/>
+                  </a:outerShdw>
+                </a:effectLst>
+              </a14:hiddenEffects>
+            </a:ext>
+          </a:extLst>
+        </p:spPr>
+      </p:pic>
+    </p:spTree>
+    <p:extLst>
+      <p:ext uri="{BB962C8B-B14F-4D97-AF65-F5344CB8AC3E}">
+        <p14:creationId xmlns:p14="http://schemas.microsoft.com/office/powerpoint/2010/main" val="3588164618"/>
+      </p:ext>
+    </p:extLst>
+  </p:cSld>
+  <p:clrMapOvr>
+    <a:masterClrMapping/>
+  </p:clrMapOvr>
+  <p:timing>
+    <p:tnLst>
+      <p:par>
+        <p:cTn id="1" dur="indefinite" restart="never" nodeType="tmRoot"/>
+      </p:par>
+    </p:tnLst>
+  </p:timing>
+</p:sld>
+</file>
+
+<file path=ppt/slides/slide11.xml><?xml version="1.0" encoding="utf-8"?>
+<p:sld xmlns:a="http://schemas.openxmlformats.org/drawingml/2006/main" xmlns:r="http://schemas.openxmlformats.org/officeDocument/2006/relationships" xmlns:p="http://schemas.openxmlformats.org/presentationml/2006/main">
+  <p:cSld>
+    <p:spTree>
+      <p:nvGrpSpPr>
+        <p:cNvPr id="1" name=""/>
+        <p:cNvGrpSpPr/>
+        <p:nvPr/>
+      </p:nvGrpSpPr>
+      <p:grpSpPr>
+        <a:xfrm>
+          <a:off x="0" y="0"/>
+          <a:ext cx="0" cy="0"/>
+          <a:chOff x="0" y="0"/>
+          <a:chExt cx="0" cy="0"/>
+        </a:xfrm>
+      </p:grpSpPr>
+      <p:sp>
+        <p:nvSpPr>
+          <p:cNvPr id="4" name="テキスト ボックス 3"/>
+          <p:cNvSpPr txBox="1"/>
+          <p:nvPr/>
+        </p:nvSpPr>
+        <p:spPr>
+          <a:xfrm>
+            <a:off x="1979712" y="3573016"/>
+            <a:ext cx="5112568" cy="400110"/>
+          </a:xfrm>
+          <a:prstGeom prst="rect">
+            <a:avLst/>
+          </a:prstGeom>
+          <a:noFill/>
+        </p:spPr>
+        <p:txBody>
+          <a:bodyPr wrap="square" rtlCol="0">
+            <a:spAutoFit/>
+          </a:bodyPr>
+          <a:lstStyle/>
+          <a:p>
+            <a:pPr algn="ctr"/>
+            <a:r>
+              <a:rPr kumimoji="1" lang="ja-JP" altLang="en-US" sz="2000" dirty="0" smtClean="0"/>
+              <a:t>詳細は「鳴き声の切り出し方法」を参照のこと</a:t>
+            </a:r>
+            <a:endParaRPr kumimoji="1" lang="ja-JP" altLang="en-US" sz="2000" dirty="0"/>
+          </a:p>
+        </p:txBody>
+      </p:sp>
+    </p:spTree>
+    <p:extLst>
+      <p:ext uri="{BB962C8B-B14F-4D97-AF65-F5344CB8AC3E}">
+        <p14:creationId xmlns:p14="http://schemas.microsoft.com/office/powerpoint/2010/main" val="865147201"/>
+      </p:ext>
+    </p:extLst>
+  </p:cSld>
+  <p:clrMapOvr>
+    <a:masterClrMapping/>
+  </p:clrMapOvr>
+</p:sld>
+</file>
+
+<file path=ppt/slides/slide12.xml><?xml version="1.0" encoding="utf-8"?>
+<p:sld xmlns:a="http://schemas.openxmlformats.org/drawingml/2006/main" xmlns:r="http://schemas.openxmlformats.org/officeDocument/2006/relationships" xmlns:p="http://schemas.openxmlformats.org/presentationml/2006/main">
+  <p:cSld>
+    <p:spTree>
+      <p:nvGrpSpPr>
+        <p:cNvPr id="1" name=""/>
+        <p:cNvGrpSpPr/>
+        <p:nvPr/>
+      </p:nvGrpSpPr>
+      <p:grpSpPr>
+        <a:xfrm>
+          <a:off x="0" y="0"/>
+          <a:ext cx="0" cy="0"/>
+          <a:chOff x="0" y="0"/>
+          <a:chExt cx="0" cy="0"/>
+        </a:xfrm>
+      </p:grpSpPr>
+      <p:sp>
+        <p:nvSpPr>
+          <p:cNvPr id="4" name="タイトル 3"/>
+          <p:cNvSpPr>
+            <a:spLocks noGrp="1"/>
+          </p:cNvSpPr>
+          <p:nvPr>
+            <p:ph type="title"/>
+          </p:nvPr>
+        </p:nvSpPr>
+        <p:spPr>
+          <a:xfrm>
+            <a:off x="690032" y="2463560"/>
+            <a:ext cx="8058432" cy="1524000"/>
+          </a:xfrm>
+        </p:spPr>
+        <p:txBody>
+          <a:bodyPr>
+            <a:normAutofit fontScale="90000"/>
+          </a:bodyPr>
+          <a:lstStyle/>
+          <a:p>
+            <a:r>
+              <a:rPr kumimoji="1" lang="ja-JP" altLang="en-US" dirty="0" smtClean="0"/>
+              <a:t>実装している</a:t>
+            </a:r>
+            <a:r>
+              <a:rPr kumimoji="1" lang="en-US" altLang="ja-JP" dirty="0" smtClean="0"/>
+              <a:t/>
+            </a:r>
+            <a:br>
+              <a:rPr kumimoji="1" lang="en-US" altLang="ja-JP" dirty="0" smtClean="0"/>
+            </a:br>
+            <a:r>
+              <a:rPr kumimoji="1" lang="ja-JP" altLang="en-US" dirty="0" smtClean="0"/>
+              <a:t>ニューラルネット</a:t>
+            </a:r>
+            <a:r>
+              <a:rPr lang="ja-JP" altLang="en-US" dirty="0" smtClean="0"/>
+              <a:t>（</a:t>
+            </a:r>
+            <a:r>
+              <a:rPr lang="en-US" altLang="ja-JP" dirty="0" smtClean="0"/>
+              <a:t>NN</a:t>
+            </a:r>
+            <a:r>
+              <a:rPr lang="ja-JP" altLang="en-US" dirty="0" smtClean="0"/>
+              <a:t>）</a:t>
+            </a:r>
+            <a:r>
+              <a:rPr kumimoji="1" lang="ja-JP" altLang="en-US" dirty="0" smtClean="0"/>
+              <a:t>の特徴</a:t>
+            </a:r>
+            <a:endParaRPr kumimoji="1" lang="ja-JP" altLang="en-US" dirty="0"/>
+          </a:p>
+        </p:txBody>
+      </p:sp>
+      <p:sp>
+        <p:nvSpPr>
+          <p:cNvPr id="5" name="テキスト プレースホルダー 4"/>
+          <p:cNvSpPr>
+            <a:spLocks noGrp="1"/>
+          </p:cNvSpPr>
+          <p:nvPr>
+            <p:ph type="body" idx="1"/>
+          </p:nvPr>
+        </p:nvSpPr>
+        <p:spPr/>
+        <p:txBody>
+          <a:bodyPr/>
+          <a:lstStyle/>
+          <a:p>
+            <a:endParaRPr kumimoji="1" lang="ja-JP" altLang="en-US"/>
+          </a:p>
+        </p:txBody>
+      </p:sp>
+    </p:spTree>
+    <p:extLst>
+      <p:ext uri="{BB962C8B-B14F-4D97-AF65-F5344CB8AC3E}">
+        <p14:creationId xmlns:p14="http://schemas.microsoft.com/office/powerpoint/2010/main" val="2620298534"/>
+      </p:ext>
+    </p:extLst>
+  </p:cSld>
+  <p:clrMapOvr>
+    <a:masterClrMapping/>
+  </p:clrMapOvr>
+  <p:timing>
+    <p:tnLst>
+      <p:par>
+        <p:cTn id="1" dur="indefinite" restart="never" nodeType="tmRoot"/>
+      </p:par>
+    </p:tnLst>
+  </p:timing>
+</p:sld>
+</file>
+
+<file path=ppt/slides/slide13.xml><?xml version="1.0" encoding="utf-8"?>
+<p:sld xmlns:a="http://schemas.openxmlformats.org/drawingml/2006/main" xmlns:r="http://schemas.openxmlformats.org/officeDocument/2006/relationships" xmlns:p="http://schemas.openxmlformats.org/presentationml/2006/main">
+  <p:cSld>
+    <p:spTree>
+      <p:nvGrpSpPr>
+        <p:cNvPr id="1" name=""/>
+        <p:cNvGrpSpPr/>
+        <p:nvPr/>
+      </p:nvGrpSpPr>
+      <p:grpSpPr>
+        <a:xfrm>
+          <a:off x="0" y="0"/>
+          <a:ext cx="0" cy="0"/>
+          <a:chOff x="0" y="0"/>
+          <a:chExt cx="0" cy="0"/>
+        </a:xfrm>
+      </p:grpSpPr>
+      <p:sp>
+        <p:nvSpPr>
+          <p:cNvPr id="5" name="コンテンツ プレースホルダー 4"/>
+          <p:cNvSpPr>
+            <a:spLocks noGrp="1"/>
+          </p:cNvSpPr>
+          <p:nvPr>
+            <p:ph idx="1"/>
+          </p:nvPr>
+        </p:nvSpPr>
+        <p:spPr>
+          <a:xfrm>
+            <a:off x="0" y="2060848"/>
+            <a:ext cx="9144001" cy="4797152"/>
+          </a:xfrm>
+        </p:spPr>
+        <p:txBody>
+          <a:bodyPr>
+            <a:normAutofit lnSpcReduction="10000"/>
+          </a:bodyPr>
+          <a:lstStyle/>
+          <a:p>
+            <a:r>
+              <a:rPr lang="ja-JP" altLang="en-US" sz="2800" dirty="0" smtClean="0"/>
+              <a:t>教師ベクトル長は可変</a:t>
+            </a:r>
+            <a:endParaRPr lang="en-US" altLang="ja-JP" sz="2800" dirty="0" smtClean="0"/>
+          </a:p>
+          <a:p>
+            <a:r>
+              <a:rPr lang="ja-JP" altLang="en-US" sz="2800" dirty="0" smtClean="0"/>
+              <a:t>モデル数・教師データ数も可変</a:t>
+            </a:r>
+            <a:endParaRPr lang="en-US" altLang="ja-JP" sz="2800" dirty="0" smtClean="0"/>
+          </a:p>
+          <a:p>
+            <a:pPr lvl="1"/>
+            <a:r>
+              <a:rPr lang="ja-JP" altLang="en-US" sz="2400" dirty="0" smtClean="0"/>
+              <a:t>ソースコードの変更は不要</a:t>
+            </a:r>
+            <a:endParaRPr lang="en-US" altLang="ja-JP" sz="2400" dirty="0" smtClean="0"/>
+          </a:p>
+          <a:p>
+            <a:endParaRPr lang="en-US" altLang="ja-JP" sz="2800" dirty="0" smtClean="0"/>
+          </a:p>
+          <a:p>
+            <a:r>
+              <a:rPr lang="ja-JP" altLang="en-US" sz="2800" dirty="0" smtClean="0"/>
+              <a:t>結合係数・閾値の初期値</a:t>
+            </a:r>
+            <a:r>
+              <a:rPr lang="en-US" altLang="ja-JP" sz="2800" dirty="0" smtClean="0"/>
+              <a:t>x</a:t>
+            </a:r>
+            <a:r>
+              <a:rPr lang="ja-JP" altLang="en-US" sz="2800" dirty="0" smtClean="0"/>
+              <a:t>は</a:t>
+            </a:r>
+            <a:endParaRPr lang="en-US" altLang="ja-JP" sz="2800" dirty="0" smtClean="0"/>
+          </a:p>
+          <a:p>
+            <a:pPr lvl="1"/>
+            <a:r>
+              <a:rPr lang="en-US" altLang="ja-JP" sz="2400" dirty="0" smtClean="0"/>
+              <a:t>-1.0 &lt; x &lt; -0.1 and 0.1 &lt; x &lt; 1.0</a:t>
+            </a:r>
+          </a:p>
+          <a:p>
+            <a:pPr lvl="1"/>
+            <a:r>
+              <a:rPr lang="en-US" altLang="ja-JP" sz="2400" dirty="0" smtClean="0"/>
+              <a:t>0</a:t>
+            </a:r>
+            <a:r>
+              <a:rPr lang="ja-JP" altLang="en-US" sz="2400" dirty="0" smtClean="0"/>
+              <a:t>近傍を避け、負値を含むことで若干</a:t>
+            </a:r>
+            <a:r>
+              <a:rPr lang="ja-JP" altLang="en-US" sz="2400" dirty="0"/>
+              <a:t>だ</a:t>
+            </a:r>
+            <a:r>
+              <a:rPr lang="ja-JP" altLang="en-US" sz="2400" dirty="0" smtClean="0"/>
+              <a:t>が収束性が良くなる</a:t>
+            </a:r>
+            <a:endParaRPr lang="en-US" altLang="ja-JP" sz="2400" dirty="0" smtClean="0"/>
+          </a:p>
+          <a:p>
+            <a:r>
+              <a:rPr lang="ja-JP" altLang="en-US" sz="2800" dirty="0" smtClean="0"/>
+              <a:t>特徴ベクトル一つ学習する毎に結合係数を更新</a:t>
+            </a:r>
+            <a:endParaRPr lang="en-US" altLang="ja-JP" sz="2800" dirty="0" smtClean="0"/>
+          </a:p>
+          <a:p>
+            <a:r>
+              <a:rPr lang="ja-JP" altLang="en-US" sz="2800" dirty="0"/>
+              <a:t>標準で</a:t>
+            </a:r>
+            <a:r>
+              <a:rPr lang="ja-JP" altLang="en-US" sz="2800" dirty="0" smtClean="0"/>
+              <a:t>は出力誤差値に</a:t>
+            </a:r>
+            <a:r>
+              <a:rPr lang="en-US" altLang="ja-JP" sz="2800" dirty="0" smtClean="0"/>
+              <a:t>0 &lt; r &lt; 0.1</a:t>
+            </a:r>
+            <a:r>
+              <a:rPr lang="ja-JP" altLang="en-US" sz="2800" dirty="0" smtClean="0"/>
+              <a:t>の乱数を加えている</a:t>
+            </a:r>
+            <a:endParaRPr lang="en-US" altLang="ja-JP" sz="2800" dirty="0" smtClean="0"/>
+          </a:p>
+          <a:p>
+            <a:pPr lvl="1"/>
+            <a:r>
+              <a:rPr lang="ja-JP" altLang="en-US" sz="2400" dirty="0" smtClean="0"/>
+              <a:t>これも収束性をよくし、かつ局所解を回避できる</a:t>
+            </a:r>
+            <a:endParaRPr lang="en-US" altLang="ja-JP" sz="2400" dirty="0" smtClean="0"/>
+          </a:p>
+        </p:txBody>
+      </p:sp>
+      <p:sp>
+        <p:nvSpPr>
+          <p:cNvPr id="4" name="タイトル 3"/>
+          <p:cNvSpPr>
+            <a:spLocks noGrp="1"/>
+          </p:cNvSpPr>
+          <p:nvPr>
+            <p:ph type="title"/>
+          </p:nvPr>
+        </p:nvSpPr>
+        <p:spPr/>
+        <p:txBody>
+          <a:bodyPr>
+            <a:normAutofit/>
+          </a:bodyPr>
+          <a:lstStyle/>
+          <a:p>
+            <a:r>
+              <a:rPr kumimoji="1" lang="ja-JP" altLang="en-US" dirty="0" smtClean="0"/>
+              <a:t>主な特徴</a:t>
+            </a:r>
+            <a:endParaRPr kumimoji="1" lang="ja-JP" altLang="en-US" dirty="0"/>
+          </a:p>
+        </p:txBody>
+      </p:sp>
+    </p:spTree>
+    <p:extLst>
+      <p:ext uri="{BB962C8B-B14F-4D97-AF65-F5344CB8AC3E}">
+        <p14:creationId xmlns:p14="http://schemas.microsoft.com/office/powerpoint/2010/main" val="3166422806"/>
+      </p:ext>
+    </p:extLst>
+  </p:cSld>
+  <p:clrMapOvr>
+    <a:masterClrMapping/>
+  </p:clrMapOvr>
+</p:sld>
+</file>
+
+<file path=ppt/slides/slide14.xml><?xml version="1.0" encoding="utf-8"?>
 <p:sld xmlns:a="http://schemas.openxmlformats.org/drawingml/2006/main" xmlns:r="http://schemas.openxmlformats.org/officeDocument/2006/relationships" xmlns:p="http://schemas.openxmlformats.org/presentationml/2006/main">
   <p:cSld>
     <p:spTree>
@@ -15006,88 +15567,88 @@
           <a:lstStyle/>
           <a:p>
             <a:r>
-              <a:rPr lang="ja-JP" altLang="en-US" sz="2800" dirty="0"/>
+              <a:rPr lang="ja-JP" altLang="en-US" dirty="0"/>
               <a:t>モデルを順繰り決まった</a:t>
             </a:r>
             <a:r>
-              <a:rPr lang="ja-JP" altLang="en-US" sz="2800" dirty="0" smtClean="0"/>
+              <a:rPr lang="ja-JP" altLang="en-US" dirty="0" smtClean="0"/>
               <a:t>順番</a:t>
             </a:r>
             <a:r>
-              <a:rPr lang="en-US" altLang="ja-JP" sz="2800" dirty="0" smtClean="0"/>
+              <a:rPr lang="en-US" altLang="ja-JP" dirty="0" smtClean="0"/>
               <a:t>or</a:t>
             </a:r>
             <a:r>
-              <a:rPr lang="ja-JP" altLang="en-US" sz="2800" dirty="0" smtClean="0"/>
+              <a:rPr lang="ja-JP" altLang="en-US" dirty="0" smtClean="0"/>
               <a:t>ランダムに学習</a:t>
             </a:r>
             <a:r>
-              <a:rPr lang="ja-JP" altLang="en-US" sz="2800" dirty="0"/>
+              <a:rPr lang="ja-JP" altLang="en-US" dirty="0"/>
               <a:t>する</a:t>
             </a:r>
-            <a:endParaRPr lang="en-US" altLang="ja-JP" sz="2800" dirty="0"/>
-          </a:p>
-          <a:p>
-            <a:r>
-              <a:rPr lang="ja-JP" altLang="en-US" sz="2800" dirty="0"/>
+            <a:endParaRPr lang="en-US" altLang="ja-JP" dirty="0"/>
+          </a:p>
+          <a:p>
+            <a:r>
+              <a:rPr lang="ja-JP" altLang="en-US" dirty="0"/>
               <a:t>モデル内の特徴ベクトルも同様</a:t>
             </a:r>
-            <a:endParaRPr lang="en-US" altLang="ja-JP" sz="2800" dirty="0"/>
+            <a:endParaRPr lang="en-US" altLang="ja-JP" dirty="0"/>
           </a:p>
           <a:p>
             <a:pPr lvl="1"/>
             <a:r>
-              <a:rPr lang="ja-JP" altLang="en-US" sz="2600" dirty="0"/>
+              <a:rPr lang="ja-JP" altLang="en-US" sz="2400" dirty="0"/>
               <a:t>過去の試行では</a:t>
             </a:r>
             <a:r>
-              <a:rPr lang="ja-JP" altLang="en-US" sz="2600" dirty="0" smtClean="0"/>
+              <a:rPr lang="ja-JP" altLang="en-US" sz="2400" dirty="0" smtClean="0"/>
               <a:t>、</a:t>
             </a:r>
             <a:r>
-              <a:rPr lang="en-US" altLang="ja-JP" sz="2600" dirty="0" smtClean="0"/>
+              <a:rPr lang="en-US" altLang="ja-JP" sz="2400" dirty="0" smtClean="0"/>
               <a:t>1</a:t>
             </a:r>
             <a:r>
-              <a:rPr lang="ja-JP" altLang="en-US" sz="2600" dirty="0" smtClean="0"/>
+              <a:rPr lang="ja-JP" altLang="en-US" sz="2400" dirty="0" smtClean="0"/>
               <a:t>個の学習データ毎に結合係数を更新することと相まって、学習</a:t>
             </a:r>
             <a:r>
-              <a:rPr lang="ja-JP" altLang="en-US" sz="2600" dirty="0"/>
+              <a:rPr lang="ja-JP" altLang="en-US" sz="2400" dirty="0"/>
               <a:t>の</a:t>
             </a:r>
             <a:r>
-              <a:rPr lang="ja-JP" altLang="en-US" sz="2600" dirty="0" smtClean="0"/>
+              <a:rPr lang="ja-JP" altLang="en-US" sz="2400" dirty="0" smtClean="0"/>
               <a:t>順番が成績</a:t>
             </a:r>
             <a:r>
-              <a:rPr lang="ja-JP" altLang="en-US" sz="2600" dirty="0"/>
+              <a:rPr lang="ja-JP" altLang="en-US" sz="2400" dirty="0"/>
               <a:t>に影響することが分かっている</a:t>
             </a:r>
-            <a:endParaRPr lang="en-US" altLang="ja-JP" sz="2600" dirty="0"/>
+            <a:endParaRPr lang="en-US" altLang="ja-JP" sz="2400" dirty="0"/>
           </a:p>
           <a:p>
             <a:pPr lvl="1"/>
             <a:r>
-              <a:rPr lang="ja-JP" altLang="en-US" sz="2400" dirty="0"/>
+              <a:rPr lang="ja-JP" altLang="en-US" sz="2000" dirty="0"/>
               <a:t>用意した特徴ベクトルが時系列のデータだと、学習を止めるタイミングに強く影響</a:t>
             </a:r>
             <a:r>
-              <a:rPr lang="ja-JP" altLang="en-US" sz="2400" dirty="0" smtClean="0"/>
+              <a:rPr lang="ja-JP" altLang="en-US" sz="2000" dirty="0" smtClean="0"/>
               <a:t>され得る</a:t>
             </a:r>
-            <a:endParaRPr lang="en-US" altLang="ja-JP" sz="2400" dirty="0" smtClean="0"/>
+            <a:endParaRPr lang="en-US" altLang="ja-JP" sz="2000" dirty="0" smtClean="0"/>
           </a:p>
           <a:p>
             <a:pPr lvl="1"/>
             <a:r>
-              <a:rPr lang="ja-JP" altLang="en-US" sz="2400" dirty="0" smtClean="0"/>
+              <a:rPr lang="ja-JP" altLang="en-US" sz="2000" dirty="0" smtClean="0"/>
               <a:t>従ってランダム選択を推奨</a:t>
             </a:r>
-            <a:endParaRPr lang="ja-JP" altLang="en-US" sz="2400" dirty="0"/>
-          </a:p>
-          <a:p>
-            <a:endParaRPr kumimoji="1" lang="ja-JP" altLang="en-US" sz="2800" dirty="0"/>
+            <a:endParaRPr lang="ja-JP" altLang="en-US" sz="2000" dirty="0"/>
+          </a:p>
+          <a:p>
+            <a:endParaRPr kumimoji="1" lang="ja-JP" altLang="en-US" dirty="0"/>
           </a:p>
         </p:txBody>
       </p:sp>
@@ -15127,7 +15688,7 @@
 </p:sld>
 </file>
 
-<file path=ppt/slides/slide11.xml><?xml version="1.0" encoding="utf-8"?>
+<file path=ppt/slides/slide15.xml><?xml version="1.0" encoding="utf-8"?>
 <p:sld xmlns:a="http://schemas.openxmlformats.org/drawingml/2006/main" xmlns:r="http://schemas.openxmlformats.org/officeDocument/2006/relationships" xmlns:p="http://schemas.openxmlformats.org/presentationml/2006/main">
   <p:cSld>
     <p:spTree>
@@ -15203,7 +15764,7 @@
 </p:sld>
 </file>
 
-<file path=ppt/slides/slide12.xml><?xml version="1.0" encoding="utf-8"?>
+<file path=ppt/slides/slide16.xml><?xml version="1.0" encoding="utf-8"?>
 <p:sld xmlns:a="http://schemas.openxmlformats.org/drawingml/2006/main" xmlns:r="http://schemas.openxmlformats.org/officeDocument/2006/relationships" xmlns:p="http://schemas.openxmlformats.org/presentationml/2006/main">
   <p:cSld>
     <p:spTree>
@@ -15222,41 +15783,6 @@
       </p:grpSpPr>
       <p:sp>
         <p:nvSpPr>
-          <p:cNvPr id="2" name="コンテンツ プレースホルダー 1"/>
-          <p:cNvSpPr>
-            <a:spLocks noGrp="1"/>
-          </p:cNvSpPr>
-          <p:nvPr>
-            <p:ph idx="1"/>
-          </p:nvPr>
-        </p:nvSpPr>
-        <p:spPr>
-          <a:xfrm>
-            <a:off x="539552" y="5517232"/>
-            <a:ext cx="7876397" cy="680938"/>
-          </a:xfrm>
-        </p:spPr>
-        <p:txBody>
-          <a:bodyPr>
-            <a:normAutofit fontScale="85000" lnSpcReduction="10000"/>
-          </a:bodyPr>
-          <a:lstStyle/>
-          <a:p>
-            <a:pPr lvl="1"/>
-            <a:r>
-              <a:rPr lang="ja-JP" altLang="en-US" dirty="0" smtClean="0"/>
-              <a:t>森下の発声区間検出</a:t>
-            </a:r>
-            <a:r>
-              <a:rPr lang="ja-JP" altLang="en-US" dirty="0" smtClean="0"/>
-              <a:t>アルゴリズムにより検出対象区間を選定し、特徴生成に使用する区間を別アルゴリズムで抽出するのが妥当だと思う</a:t>
-            </a:r>
-            <a:endParaRPr lang="en-US" altLang="ja-JP" dirty="0" smtClean="0"/>
-          </a:p>
-        </p:txBody>
-      </p:sp>
-      <p:sp>
-        <p:nvSpPr>
           <p:cNvPr id="3" name="タイトル 2"/>
           <p:cNvSpPr>
             <a:spLocks noGrp="1"/>
@@ -15288,8 +15814,8 @@
         </p:nvSpPr>
         <p:spPr>
           <a:xfrm>
-            <a:off x="899592" y="2614209"/>
-            <a:ext cx="7776864" cy="1754326"/>
+            <a:off x="539552" y="2614209"/>
+            <a:ext cx="8136904" cy="3170099"/>
           </a:xfrm>
           <a:prstGeom prst="rect">
             <a:avLst/>
@@ -15303,32 +15829,57 @@
           <a:lstStyle/>
           <a:p>
             <a:r>
-              <a:rPr kumimoji="1" lang="ja-JP" altLang="en-US" dirty="0" smtClean="0"/>
-              <a:t>＊森下の組んだ発声区間検出クラスは、ノイズの学習状況によって状態が変わる。</a:t>
-            </a:r>
-            <a:r>
-              <a:rPr lang="ja-JP" altLang="en-US" dirty="0"/>
+              <a:rPr lang="ja-JP" altLang="en-US" sz="2000" dirty="0"/>
+              <a:t>　</a:t>
+            </a:r>
+            <a:r>
+              <a:rPr kumimoji="1" lang="ja-JP" altLang="en-US" sz="2000" dirty="0" smtClean="0"/>
+              <a:t>森下</a:t>
+            </a:r>
+            <a:r>
+              <a:rPr kumimoji="1" lang="ja-JP" altLang="en-US" sz="2000" dirty="0" smtClean="0"/>
+              <a:t>の組んだ発声区間検出クラスは、ノイズの学習状況によって状態が変わる。</a:t>
+            </a:r>
+            <a:r>
+              <a:rPr lang="ja-JP" altLang="en-US" sz="2000" dirty="0"/>
               <a:t>特に、音源が短いと発声部分を抜き出すことができない</a:t>
             </a:r>
             <a:r>
-              <a:rPr lang="ja-JP" altLang="en-US" dirty="0" smtClean="0"/>
+              <a:rPr lang="ja-JP" altLang="en-US" sz="2000" dirty="0" smtClean="0"/>
               <a:t>。</a:t>
             </a:r>
             <a:r>
-              <a:rPr kumimoji="1" lang="ja-JP" altLang="en-US" dirty="0" smtClean="0"/>
+              <a:rPr kumimoji="1" lang="ja-JP" altLang="en-US" sz="2000" dirty="0" smtClean="0"/>
               <a:t>そのため、同じ鳴き声でも直前の音声期間によって抜き出される区間が異なる。</a:t>
             </a:r>
-            <a:endParaRPr kumimoji="1" lang="en-US" altLang="ja-JP" dirty="0" smtClean="0"/>
-          </a:p>
-          <a:p>
-            <a:endParaRPr kumimoji="1" lang="en-US" altLang="ja-JP" dirty="0" smtClean="0"/>
-          </a:p>
-          <a:p>
-            <a:r>
-              <a:rPr kumimoji="1" lang="ja-JP" altLang="en-US" dirty="0" smtClean="0"/>
-              <a:t>短時間の音源から発声区間を抜き出すにはラベルを付けた音声を抜き出すアルゴリズムが必要である。</a:t>
-            </a:r>
-            <a:endParaRPr kumimoji="1" lang="en-US" altLang="ja-JP" dirty="0" smtClean="0"/>
+            <a:endParaRPr kumimoji="1" lang="en-US" altLang="ja-JP" sz="2000" dirty="0" smtClean="0"/>
+          </a:p>
+          <a:p>
+            <a:endParaRPr kumimoji="1" lang="en-US" altLang="ja-JP" sz="2000" dirty="0" smtClean="0"/>
+          </a:p>
+          <a:p>
+            <a:r>
+              <a:rPr kumimoji="1" lang="ja-JP" altLang="en-US" sz="2000" dirty="0" smtClean="0"/>
+              <a:t>短時間の音源から発声区間を抜き出すにはラベルを付けた音声を抜き出すアルゴリズムが必要である</a:t>
+            </a:r>
+            <a:r>
+              <a:rPr kumimoji="1" lang="ja-JP" altLang="en-US" sz="2000" dirty="0" smtClean="0"/>
+              <a:t>。</a:t>
+            </a:r>
+            <a:endParaRPr kumimoji="1" lang="en-US" altLang="ja-JP" sz="2000" dirty="0" smtClean="0"/>
+          </a:p>
+          <a:p>
+            <a:endParaRPr lang="en-US" altLang="ja-JP" sz="2000" dirty="0"/>
+          </a:p>
+          <a:p>
+            <a:r>
+              <a:rPr lang="ja-JP" altLang="en-US" sz="2000" dirty="0"/>
+              <a:t>森下の発声区間検出アルゴリズムにより検出対象区間を選定し、特徴生成に使用する区間を別アルゴリズムで抽出するのが妥当だと思う</a:t>
+            </a:r>
+            <a:endParaRPr lang="en-US" altLang="ja-JP" sz="2000" dirty="0"/>
+          </a:p>
+          <a:p>
+            <a:endParaRPr kumimoji="1" lang="en-US" altLang="ja-JP" sz="2000" dirty="0" smtClean="0"/>
           </a:p>
         </p:txBody>
       </p:sp>
@@ -15345,7 +15896,7 @@
 </p:sld>
 </file>
 
-<file path=ppt/slides/slide13.xml><?xml version="1.0" encoding="utf-8"?>
+<file path=ppt/slides/slide17.xml><?xml version="1.0" encoding="utf-8"?>
 <p:sld xmlns:a="http://schemas.openxmlformats.org/drawingml/2006/main" xmlns:r="http://schemas.openxmlformats.org/officeDocument/2006/relationships" xmlns:p="http://schemas.openxmlformats.org/presentationml/2006/main">
   <p:cSld>
     <p:spTree>
@@ -15530,11 +16081,13 @@
         <p:spPr>
           <a:xfrm>
             <a:off x="251520" y="2675467"/>
-            <a:ext cx="5476799" cy="3450696"/>
+            <a:ext cx="5476799" cy="2308093"/>
           </a:xfrm>
         </p:spPr>
         <p:txBody>
-          <a:bodyPr/>
+          <a:bodyPr>
+            <a:normAutofit lnSpcReduction="10000"/>
+          </a:bodyPr>
           <a:lstStyle/>
           <a:p>
             <a:r>
@@ -15547,14 +16100,29 @@
             </a:r>
             <a:r>
               <a:rPr kumimoji="1" lang="ja-JP" altLang="en-US" dirty="0" smtClean="0"/>
-              <a:t>の特徴ベクトル生成アルゴリズムを実装し直す上で、発声区間の検出方法と特徴の計算部分（コア）を分けた</a:t>
+              <a:t>の特徴ベクトル生成アルゴリズムを実装し直す上で</a:t>
+            </a:r>
+            <a:r>
+              <a:rPr kumimoji="1" lang="ja-JP" altLang="en-US" dirty="0" smtClean="0"/>
+              <a:t>、鳴き声区間検出方法と特徴ベクトルの計算を</a:t>
+            </a:r>
+            <a:r>
+              <a:rPr kumimoji="1" lang="ja-JP" altLang="en-US" dirty="0" smtClean="0"/>
+              <a:t>分けた</a:t>
             </a:r>
             <a:endParaRPr kumimoji="1" lang="en-US" altLang="ja-JP" dirty="0" smtClean="0"/>
           </a:p>
           <a:p>
             <a:r>
               <a:rPr lang="ja-JP" altLang="en-US" dirty="0" smtClean="0"/>
-              <a:t>併せてユニットとする</a:t>
+              <a:t>それぞれ、鳴き声区間検出器とコアモジュールとした。</a:t>
+            </a:r>
+            <a:endParaRPr lang="en-US" altLang="ja-JP" dirty="0" smtClean="0"/>
+          </a:p>
+          <a:p>
+            <a:r>
+              <a:rPr lang="ja-JP" altLang="en-US" dirty="0" smtClean="0"/>
+              <a:t>併せてユニット</a:t>
             </a:r>
             <a:endParaRPr kumimoji="1" lang="ja-JP" altLang="en-US" dirty="0"/>
           </a:p>
@@ -15572,18 +16140,18 @@
         </p:nvSpPr>
         <p:spPr>
           <a:xfrm>
-            <a:off x="457200" y="338328"/>
-            <a:ext cx="8229600" cy="1866536"/>
+            <a:off x="467544" y="404664"/>
+            <a:ext cx="8075240" cy="1524943"/>
           </a:xfrm>
         </p:spPr>
         <p:txBody>
           <a:bodyPr>
-            <a:normAutofit fontScale="90000"/>
+            <a:normAutofit/>
           </a:bodyPr>
           <a:lstStyle/>
           <a:p>
             <a:r>
-              <a:rPr kumimoji="1" lang="ja-JP" altLang="en-US" b="1" dirty="0" smtClean="0">
+              <a:rPr kumimoji="1" lang="ja-JP" altLang="en-US" sz="3200" b="1" dirty="0" smtClean="0">
                 <a:ln w="12700">
                   <a:solidFill>
                     <a:schemeClr val="tx2">
@@ -15606,9 +16174,113 @@
                   </a:outerShdw>
                 </a:effectLst>
               </a:rPr>
-              <a:t>生成される特徴は、発声検出方法とコアモジュール、これらの運用方法に依存している</a:t>
-            </a:r>
-            <a:endParaRPr kumimoji="1" lang="ja-JP" altLang="en-US" b="1" dirty="0">
+              <a:t>生成される特徴は</a:t>
+            </a:r>
+            <a:r>
+              <a:rPr kumimoji="1" lang="ja-JP" altLang="en-US" sz="3200" b="1" dirty="0" smtClean="0">
+                <a:ln w="12700">
+                  <a:solidFill>
+                    <a:schemeClr val="tx2">
+                      <a:satMod val="155000"/>
+                    </a:schemeClr>
+                  </a:solidFill>
+                  <a:prstDash val="solid"/>
+                </a:ln>
+                <a:solidFill>
+                  <a:schemeClr val="bg2">
+                    <a:tint val="85000"/>
+                    <a:satMod val="155000"/>
+                  </a:schemeClr>
+                </a:solidFill>
+                <a:effectLst>
+                  <a:outerShdw blurRad="41275" dist="20320" dir="1800000" algn="tl" rotWithShape="0">
+                    <a:srgbClr val="000000">
+                      <a:alpha val="40000"/>
+                    </a:srgbClr>
+                  </a:outerShdw>
+                </a:effectLst>
+              </a:rPr>
+              <a:t>、鳴き声区間検出器とユニット、</a:t>
+            </a:r>
+            <a:r>
+              <a:rPr kumimoji="1" lang="ja-JP" altLang="en-US" sz="3200" b="1" dirty="0" smtClean="0">
+                <a:ln w="12700">
+                  <a:solidFill>
+                    <a:schemeClr val="tx2">
+                      <a:satMod val="155000"/>
+                    </a:schemeClr>
+                  </a:solidFill>
+                  <a:prstDash val="solid"/>
+                </a:ln>
+                <a:solidFill>
+                  <a:schemeClr val="bg2">
+                    <a:tint val="85000"/>
+                    <a:satMod val="155000"/>
+                  </a:schemeClr>
+                </a:solidFill>
+                <a:effectLst>
+                  <a:outerShdw blurRad="41275" dist="20320" dir="1800000" algn="tl" rotWithShape="0">
+                    <a:srgbClr val="000000">
+                      <a:alpha val="40000"/>
+                    </a:srgbClr>
+                  </a:outerShdw>
+                </a:effectLst>
+              </a:rPr>
+              <a:t>これら</a:t>
+            </a:r>
+            <a:r>
+              <a:rPr kumimoji="1" lang="ja-JP" altLang="en-US" sz="3200" b="1" dirty="0" smtClean="0">
+                <a:ln w="12700">
+                  <a:solidFill>
+                    <a:schemeClr val="tx2">
+                      <a:satMod val="155000"/>
+                    </a:schemeClr>
+                  </a:solidFill>
+                  <a:prstDash val="solid"/>
+                </a:ln>
+                <a:solidFill>
+                  <a:schemeClr val="bg2">
+                    <a:tint val="85000"/>
+                    <a:satMod val="155000"/>
+                  </a:schemeClr>
+                </a:solidFill>
+                <a:effectLst>
+                  <a:outerShdw blurRad="41275" dist="20320" dir="1800000" algn="tl" rotWithShape="0">
+                    <a:srgbClr val="000000">
+                      <a:alpha val="40000"/>
+                    </a:srgbClr>
+                  </a:outerShdw>
+                </a:effectLst>
+              </a:rPr>
+              <a:t>の</a:t>
+            </a:r>
+            <a:r>
+              <a:rPr lang="ja-JP" altLang="en-US" sz="3200" b="1" dirty="0" smtClean="0">
+                <a:ln w="12700">
+                  <a:solidFill>
+                    <a:schemeClr val="tx2">
+                      <a:satMod val="155000"/>
+                    </a:schemeClr>
+                  </a:solidFill>
+                  <a:prstDash val="solid"/>
+                </a:ln>
+                <a:solidFill>
+                  <a:schemeClr val="bg2">
+                    <a:tint val="85000"/>
+                    <a:satMod val="155000"/>
+                  </a:schemeClr>
+                </a:solidFill>
+                <a:effectLst>
+                  <a:outerShdw blurRad="41275" dist="20320" dir="1800000" algn="tl" rotWithShape="0">
+                    <a:srgbClr val="000000">
+                      <a:alpha val="40000"/>
+                    </a:srgbClr>
+                  </a:outerShdw>
+                </a:effectLst>
+              </a:rPr>
+              <a:t>組み合わせで決まる</a:t>
+            </a:r>
+            <a:endParaRPr kumimoji="1" lang="ja-JP" altLang="en-US" sz="3200" b="1" dirty="0">
               <a:ln w="12700">
                 <a:solidFill>
                   <a:schemeClr val="tx2">
@@ -15837,6 +16509,2000 @@
           <a:chExt cx="0" cy="0"/>
         </a:xfrm>
       </p:grpSpPr>
+      <p:sp>
+        <p:nvSpPr>
+          <p:cNvPr id="4" name="タイトル 3"/>
+          <p:cNvSpPr>
+            <a:spLocks noGrp="1"/>
+          </p:cNvSpPr>
+          <p:nvPr>
+            <p:ph type="title"/>
+          </p:nvPr>
+        </p:nvSpPr>
+        <p:spPr/>
+        <p:txBody>
+          <a:bodyPr/>
+          <a:lstStyle/>
+          <a:p>
+            <a:r>
+              <a:rPr kumimoji="1" lang="ja-JP" altLang="en-US" dirty="0" smtClean="0"/>
+              <a:t>ユニットの位置づけと構造</a:t>
+            </a:r>
+            <a:endParaRPr kumimoji="1" lang="ja-JP" altLang="en-US" dirty="0"/>
+          </a:p>
+        </p:txBody>
+      </p:sp>
+      <p:sp>
+        <p:nvSpPr>
+          <p:cNvPr id="5" name="テキスト プレースホルダー 4"/>
+          <p:cNvSpPr>
+            <a:spLocks noGrp="1"/>
+          </p:cNvSpPr>
+          <p:nvPr>
+            <p:ph type="body" idx="1"/>
+          </p:nvPr>
+        </p:nvSpPr>
+        <p:spPr/>
+        <p:txBody>
+          <a:bodyPr/>
+          <a:lstStyle/>
+          <a:p>
+            <a:endParaRPr kumimoji="1" lang="ja-JP" altLang="en-US"/>
+          </a:p>
+        </p:txBody>
+      </p:sp>
+    </p:spTree>
+    <p:extLst>
+      <p:ext uri="{BB962C8B-B14F-4D97-AF65-F5344CB8AC3E}">
+        <p14:creationId xmlns:p14="http://schemas.microsoft.com/office/powerpoint/2010/main" val="2062689457"/>
+      </p:ext>
+    </p:extLst>
+  </p:cSld>
+  <p:clrMapOvr>
+    <a:masterClrMapping/>
+  </p:clrMapOvr>
+</p:sld>
+</file>
+
+<file path=ppt/slides/slide4.xml><?xml version="1.0" encoding="utf-8"?>
+<p:sld xmlns:a="http://schemas.openxmlformats.org/drawingml/2006/main" xmlns:r="http://schemas.openxmlformats.org/officeDocument/2006/relationships" xmlns:p="http://schemas.openxmlformats.org/presentationml/2006/main">
+  <p:cSld>
+    <p:spTree>
+      <p:nvGrpSpPr>
+        <p:cNvPr id="1" name=""/>
+        <p:cNvGrpSpPr/>
+        <p:nvPr/>
+      </p:nvGrpSpPr>
+      <p:grpSpPr>
+        <a:xfrm>
+          <a:off x="0" y="0"/>
+          <a:ext cx="0" cy="0"/>
+          <a:chOff x="0" y="0"/>
+          <a:chExt cx="0" cy="0"/>
+        </a:xfrm>
+      </p:grpSpPr>
+      <p:sp>
+        <p:nvSpPr>
+          <p:cNvPr id="34" name="フローチャート : 磁気ディスク 33"/>
+          <p:cNvSpPr/>
+          <p:nvPr/>
+        </p:nvSpPr>
+        <p:spPr>
+          <a:xfrm>
+            <a:off x="6075181" y="3570140"/>
+            <a:ext cx="2304255" cy="656850"/>
+          </a:xfrm>
+          <a:prstGeom prst="flowChartMagneticDisk">
+            <a:avLst/>
+          </a:prstGeom>
+        </p:spPr>
+        <p:style>
+          <a:lnRef idx="2">
+            <a:schemeClr val="accent1">
+              <a:shade val="50000"/>
+            </a:schemeClr>
+          </a:lnRef>
+          <a:fillRef idx="1">
+            <a:schemeClr val="accent1"/>
+          </a:fillRef>
+          <a:effectRef idx="0">
+            <a:schemeClr val="accent1"/>
+          </a:effectRef>
+          <a:fontRef idx="minor">
+            <a:schemeClr val="lt1"/>
+          </a:fontRef>
+        </p:style>
+        <p:txBody>
+          <a:bodyPr rtlCol="0" anchor="ctr"/>
+          <a:lstStyle/>
+          <a:p>
+            <a:pPr algn="ctr"/>
+            <a:r>
+              <a:rPr kumimoji="1" lang="ja-JP" altLang="en-US" sz="1600" dirty="0" smtClean="0"/>
+              <a:t>特徴ベクトル</a:t>
+            </a:r>
+            <a:endParaRPr kumimoji="1" lang="ja-JP" altLang="en-US" sz="1600" dirty="0"/>
+          </a:p>
+        </p:txBody>
+      </p:sp>
+      <p:sp>
+        <p:nvSpPr>
+          <p:cNvPr id="3" name="タイトル 2"/>
+          <p:cNvSpPr>
+            <a:spLocks noGrp="1"/>
+          </p:cNvSpPr>
+          <p:nvPr>
+            <p:ph type="title"/>
+          </p:nvPr>
+        </p:nvSpPr>
+        <p:spPr/>
+        <p:txBody>
+          <a:bodyPr>
+            <a:normAutofit/>
+          </a:bodyPr>
+          <a:lstStyle/>
+          <a:p>
+            <a:r>
+              <a:rPr kumimoji="1" lang="ja-JP" altLang="en-US" dirty="0" smtClean="0"/>
+              <a:t>全体の処理の流れとクラス</a:t>
+            </a:r>
+            <a:endParaRPr kumimoji="1" lang="ja-JP" altLang="en-US" dirty="0"/>
+          </a:p>
+        </p:txBody>
+      </p:sp>
+      <p:sp>
+        <p:nvSpPr>
+          <p:cNvPr id="4" name="フローチャート : 磁気ディスク 3"/>
+          <p:cNvSpPr/>
+          <p:nvPr/>
+        </p:nvSpPr>
+        <p:spPr>
+          <a:xfrm>
+            <a:off x="296058" y="3356992"/>
+            <a:ext cx="1080120" cy="504056"/>
+          </a:xfrm>
+          <a:prstGeom prst="flowChartMagneticDisk">
+            <a:avLst/>
+          </a:prstGeom>
+        </p:spPr>
+        <p:style>
+          <a:lnRef idx="2">
+            <a:schemeClr val="accent1">
+              <a:shade val="50000"/>
+            </a:schemeClr>
+          </a:lnRef>
+          <a:fillRef idx="1">
+            <a:schemeClr val="accent1"/>
+          </a:fillRef>
+          <a:effectRef idx="0">
+            <a:schemeClr val="accent1"/>
+          </a:effectRef>
+          <a:fontRef idx="minor">
+            <a:schemeClr val="lt1"/>
+          </a:fontRef>
+        </p:style>
+        <p:txBody>
+          <a:bodyPr rtlCol="0" anchor="ctr"/>
+          <a:lstStyle/>
+          <a:p>
+            <a:pPr algn="ctr"/>
+            <a:r>
+              <a:rPr kumimoji="1" lang="en-US" altLang="ja-JP" sz="1600" dirty="0" smtClean="0"/>
+              <a:t>WAVE</a:t>
+            </a:r>
+            <a:r>
+              <a:rPr kumimoji="1" lang="ja-JP" altLang="en-US" sz="1600" dirty="0" smtClean="0"/>
+              <a:t>音源</a:t>
+            </a:r>
+            <a:endParaRPr kumimoji="1" lang="ja-JP" altLang="en-US" sz="1600" dirty="0"/>
+          </a:p>
+        </p:txBody>
+      </p:sp>
+      <p:sp>
+        <p:nvSpPr>
+          <p:cNvPr id="5" name="角丸四角形 4"/>
+          <p:cNvSpPr/>
+          <p:nvPr/>
+        </p:nvSpPr>
+        <p:spPr>
+          <a:xfrm>
+            <a:off x="1684507" y="2816932"/>
+            <a:ext cx="3960440" cy="1656184"/>
+          </a:xfrm>
+          <a:prstGeom prst="roundRect">
+            <a:avLst/>
+          </a:prstGeom>
+        </p:spPr>
+        <p:style>
+          <a:lnRef idx="2">
+            <a:schemeClr val="accent1">
+              <a:shade val="50000"/>
+            </a:schemeClr>
+          </a:lnRef>
+          <a:fillRef idx="1">
+            <a:schemeClr val="accent1"/>
+          </a:fillRef>
+          <a:effectRef idx="0">
+            <a:schemeClr val="accent1"/>
+          </a:effectRef>
+          <a:fontRef idx="minor">
+            <a:schemeClr val="lt1"/>
+          </a:fontRef>
+        </p:style>
+        <p:txBody>
+          <a:bodyPr rtlCol="0" anchor="ctr"/>
+          <a:lstStyle/>
+          <a:p>
+            <a:pPr algn="ctr"/>
+            <a:endParaRPr kumimoji="1" lang="ja-JP" altLang="en-US"/>
+          </a:p>
+        </p:txBody>
+      </p:sp>
+      <p:sp>
+        <p:nvSpPr>
+          <p:cNvPr id="6" name="テキスト ボックス 5"/>
+          <p:cNvSpPr txBox="1"/>
+          <p:nvPr/>
+        </p:nvSpPr>
+        <p:spPr>
+          <a:xfrm>
+            <a:off x="1933173" y="2447599"/>
+            <a:ext cx="1735365" cy="369332"/>
+          </a:xfrm>
+          <a:prstGeom prst="rect">
+            <a:avLst/>
+          </a:prstGeom>
+          <a:noFill/>
+        </p:spPr>
+        <p:txBody>
+          <a:bodyPr wrap="square" rtlCol="0">
+            <a:spAutoFit/>
+          </a:bodyPr>
+          <a:lstStyle/>
+          <a:p>
+            <a:r>
+              <a:rPr lang="en-US" altLang="ja-JP" dirty="0" err="1" smtClean="0"/>
+              <a:t>BirdForm</a:t>
+            </a:r>
+            <a:r>
+              <a:rPr lang="ja-JP" altLang="en-US" dirty="0" smtClean="0"/>
+              <a:t>クラス</a:t>
+            </a:r>
+            <a:endParaRPr lang="en-US" altLang="ja-JP" dirty="0"/>
+          </a:p>
+        </p:txBody>
+      </p:sp>
+      <p:sp>
+        <p:nvSpPr>
+          <p:cNvPr id="7" name="正方形/長方形 6"/>
+          <p:cNvSpPr/>
+          <p:nvPr/>
+        </p:nvSpPr>
+        <p:spPr>
+          <a:xfrm>
+            <a:off x="1972538" y="3429000"/>
+            <a:ext cx="1620181" cy="360040"/>
+          </a:xfrm>
+          <a:prstGeom prst="rect">
+            <a:avLst/>
+          </a:prstGeom>
+        </p:spPr>
+        <p:style>
+          <a:lnRef idx="2">
+            <a:schemeClr val="accent2">
+              <a:shade val="50000"/>
+            </a:schemeClr>
+          </a:lnRef>
+          <a:fillRef idx="1">
+            <a:schemeClr val="accent2"/>
+          </a:fillRef>
+          <a:effectRef idx="0">
+            <a:schemeClr val="accent2"/>
+          </a:effectRef>
+          <a:fontRef idx="minor">
+            <a:schemeClr val="lt1"/>
+          </a:fontRef>
+        </p:style>
+        <p:txBody>
+          <a:bodyPr rtlCol="0" anchor="ctr"/>
+          <a:lstStyle/>
+          <a:p>
+            <a:pPr algn="ctr"/>
+            <a:r>
+              <a:rPr lang="ja-JP" altLang="en-US" dirty="0" smtClean="0"/>
+              <a:t>フーリエ</a:t>
+            </a:r>
+            <a:r>
+              <a:rPr lang="ja-JP" altLang="en-US" dirty="0"/>
+              <a:t>変換</a:t>
+            </a:r>
+            <a:endParaRPr kumimoji="1" lang="ja-JP" altLang="en-US" dirty="0"/>
+          </a:p>
+        </p:txBody>
+      </p:sp>
+      <p:sp>
+        <p:nvSpPr>
+          <p:cNvPr id="8" name="正方形/長方形 7"/>
+          <p:cNvSpPr/>
+          <p:nvPr/>
+        </p:nvSpPr>
+        <p:spPr>
+          <a:xfrm>
+            <a:off x="1792519" y="4725144"/>
+            <a:ext cx="2772308" cy="1728192"/>
+          </a:xfrm>
+          <a:prstGeom prst="rect">
+            <a:avLst/>
+          </a:prstGeom>
+        </p:spPr>
+        <p:style>
+          <a:lnRef idx="2">
+            <a:schemeClr val="accent1">
+              <a:shade val="50000"/>
+            </a:schemeClr>
+          </a:lnRef>
+          <a:fillRef idx="1">
+            <a:schemeClr val="accent1"/>
+          </a:fillRef>
+          <a:effectRef idx="0">
+            <a:schemeClr val="accent1"/>
+          </a:effectRef>
+          <a:fontRef idx="minor">
+            <a:schemeClr val="lt1"/>
+          </a:fontRef>
+        </p:style>
+        <p:txBody>
+          <a:bodyPr rtlCol="0" anchor="ctr"/>
+          <a:lstStyle/>
+          <a:p>
+            <a:pPr algn="ctr"/>
+            <a:endParaRPr kumimoji="1" lang="ja-JP" altLang="en-US"/>
+          </a:p>
+        </p:txBody>
+      </p:sp>
+      <p:sp>
+        <p:nvSpPr>
+          <p:cNvPr id="9" name="テキスト ボックス 8"/>
+          <p:cNvSpPr txBox="1"/>
+          <p:nvPr/>
+        </p:nvSpPr>
+        <p:spPr>
+          <a:xfrm>
+            <a:off x="1847686" y="6405681"/>
+            <a:ext cx="2661973" cy="369332"/>
+          </a:xfrm>
+          <a:prstGeom prst="rect">
+            <a:avLst/>
+          </a:prstGeom>
+          <a:noFill/>
+        </p:spPr>
+        <p:txBody>
+          <a:bodyPr wrap="square" rtlCol="0">
+            <a:spAutoFit/>
+          </a:bodyPr>
+          <a:lstStyle/>
+          <a:p>
+            <a:pPr algn="ctr"/>
+            <a:r>
+              <a:rPr lang="en-US" altLang="ja-JP" dirty="0" err="1" smtClean="0"/>
+              <a:t>FeatureGenerator</a:t>
+            </a:r>
+            <a:r>
+              <a:rPr lang="ja-JP" altLang="en-US" dirty="0" smtClean="0"/>
+              <a:t>クラス</a:t>
+            </a:r>
+            <a:endParaRPr lang="en-US" altLang="ja-JP" dirty="0"/>
+          </a:p>
+        </p:txBody>
+      </p:sp>
+      <p:cxnSp>
+        <p:nvCxnSpPr>
+          <p:cNvPr id="11" name="直線矢印コネクタ 10"/>
+          <p:cNvCxnSpPr>
+            <a:stCxn id="4" idx="4"/>
+            <a:endCxn id="7" idx="1"/>
+          </p:cNvCxnSpPr>
+          <p:nvPr/>
+        </p:nvCxnSpPr>
+        <p:spPr>
+          <a:xfrm>
+            <a:off x="1376178" y="3609020"/>
+            <a:ext cx="596361" cy="0"/>
+          </a:xfrm>
+          <a:prstGeom prst="straightConnector1">
+            <a:avLst/>
+          </a:prstGeom>
+          <a:ln>
+            <a:solidFill>
+              <a:schemeClr val="tx1"/>
+            </a:solidFill>
+            <a:tailEnd type="arrow"/>
+          </a:ln>
+        </p:spPr>
+        <p:style>
+          <a:lnRef idx="1">
+            <a:schemeClr val="accent1"/>
+          </a:lnRef>
+          <a:fillRef idx="0">
+            <a:schemeClr val="accent1"/>
+          </a:fillRef>
+          <a:effectRef idx="0">
+            <a:schemeClr val="accent1"/>
+          </a:effectRef>
+          <a:fontRef idx="minor">
+            <a:schemeClr val="tx1"/>
+          </a:fontRef>
+        </p:style>
+      </p:cxnSp>
+      <p:cxnSp>
+        <p:nvCxnSpPr>
+          <p:cNvPr id="14" name="直線矢印コネクタ 13"/>
+          <p:cNvCxnSpPr>
+            <a:stCxn id="7" idx="2"/>
+            <a:endCxn id="17" idx="0"/>
+          </p:cNvCxnSpPr>
+          <p:nvPr/>
+        </p:nvCxnSpPr>
+        <p:spPr>
+          <a:xfrm>
+            <a:off x="2278573" y="3789040"/>
+            <a:ext cx="0" cy="1068266"/>
+          </a:xfrm>
+          <a:prstGeom prst="straightConnector1">
+            <a:avLst/>
+          </a:prstGeom>
+          <a:ln>
+            <a:solidFill>
+              <a:schemeClr val="tx1"/>
+            </a:solidFill>
+            <a:tailEnd type="arrow"/>
+          </a:ln>
+        </p:spPr>
+        <p:style>
+          <a:lnRef idx="1">
+            <a:schemeClr val="accent1"/>
+          </a:lnRef>
+          <a:fillRef idx="0">
+            <a:schemeClr val="accent1"/>
+          </a:fillRef>
+          <a:effectRef idx="0">
+            <a:schemeClr val="accent1"/>
+          </a:effectRef>
+          <a:fontRef idx="minor">
+            <a:schemeClr val="tx1"/>
+          </a:fontRef>
+        </p:style>
+      </p:cxnSp>
+      <p:sp>
+        <p:nvSpPr>
+          <p:cNvPr id="17" name="正方形/長方形 16"/>
+          <p:cNvSpPr/>
+          <p:nvPr/>
+        </p:nvSpPr>
+        <p:spPr>
+          <a:xfrm>
+            <a:off x="1923093" y="4857306"/>
+            <a:ext cx="710960" cy="285728"/>
+          </a:xfrm>
+          <a:prstGeom prst="rect">
+            <a:avLst/>
+          </a:prstGeom>
+        </p:spPr>
+        <p:style>
+          <a:lnRef idx="2">
+            <a:schemeClr val="accent2">
+              <a:shade val="50000"/>
+            </a:schemeClr>
+          </a:lnRef>
+          <a:fillRef idx="1">
+            <a:schemeClr val="accent2"/>
+          </a:fillRef>
+          <a:effectRef idx="0">
+            <a:schemeClr val="accent2"/>
+          </a:effectRef>
+          <a:fontRef idx="minor">
+            <a:schemeClr val="lt1"/>
+          </a:fontRef>
+        </p:style>
+        <p:txBody>
+          <a:bodyPr rtlCol="0" anchor="ctr"/>
+          <a:lstStyle/>
+          <a:p>
+            <a:pPr algn="ctr"/>
+            <a:r>
+              <a:rPr kumimoji="1" lang="ja-JP" altLang="en-US" sz="1400" dirty="0" smtClean="0"/>
+              <a:t>分配</a:t>
+            </a:r>
+            <a:endParaRPr kumimoji="1" lang="ja-JP" altLang="en-US" sz="1400" dirty="0"/>
+          </a:p>
+        </p:txBody>
+      </p:sp>
+      <p:sp>
+        <p:nvSpPr>
+          <p:cNvPr id="18" name="正方形/長方形 17"/>
+          <p:cNvSpPr/>
+          <p:nvPr/>
+        </p:nvSpPr>
+        <p:spPr>
+          <a:xfrm>
+            <a:off x="2817064" y="5172355"/>
+            <a:ext cx="1008112" cy="285728"/>
+          </a:xfrm>
+          <a:prstGeom prst="rect">
+            <a:avLst/>
+          </a:prstGeom>
+        </p:spPr>
+        <p:style>
+          <a:lnRef idx="2">
+            <a:schemeClr val="accent2">
+              <a:shade val="50000"/>
+            </a:schemeClr>
+          </a:lnRef>
+          <a:fillRef idx="1">
+            <a:schemeClr val="accent2"/>
+          </a:fillRef>
+          <a:effectRef idx="0">
+            <a:schemeClr val="accent2"/>
+          </a:effectRef>
+          <a:fontRef idx="minor">
+            <a:schemeClr val="lt1"/>
+          </a:fontRef>
+        </p:style>
+        <p:txBody>
+          <a:bodyPr rtlCol="0" anchor="ctr"/>
+          <a:lstStyle/>
+          <a:p>
+            <a:pPr algn="ctr"/>
+            <a:r>
+              <a:rPr kumimoji="1" lang="ja-JP" altLang="en-US" sz="1400" dirty="0" smtClean="0"/>
+              <a:t>ユニット</a:t>
+            </a:r>
+            <a:r>
+              <a:rPr kumimoji="1" lang="en-US" altLang="ja-JP" sz="1400" dirty="0" smtClean="0"/>
+              <a:t>1</a:t>
+            </a:r>
+            <a:endParaRPr kumimoji="1" lang="ja-JP" altLang="en-US" sz="1400" dirty="0"/>
+          </a:p>
+        </p:txBody>
+      </p:sp>
+      <p:sp>
+        <p:nvSpPr>
+          <p:cNvPr id="19" name="正方形/長方形 18"/>
+          <p:cNvSpPr/>
+          <p:nvPr/>
+        </p:nvSpPr>
+        <p:spPr>
+          <a:xfrm>
+            <a:off x="2817064" y="5589240"/>
+            <a:ext cx="1008112" cy="285728"/>
+          </a:xfrm>
+          <a:prstGeom prst="rect">
+            <a:avLst/>
+          </a:prstGeom>
+        </p:spPr>
+        <p:style>
+          <a:lnRef idx="2">
+            <a:schemeClr val="accent2">
+              <a:shade val="50000"/>
+            </a:schemeClr>
+          </a:lnRef>
+          <a:fillRef idx="1">
+            <a:schemeClr val="accent2"/>
+          </a:fillRef>
+          <a:effectRef idx="0">
+            <a:schemeClr val="accent2"/>
+          </a:effectRef>
+          <a:fontRef idx="minor">
+            <a:schemeClr val="lt1"/>
+          </a:fontRef>
+        </p:style>
+        <p:txBody>
+          <a:bodyPr rtlCol="0" anchor="ctr"/>
+          <a:lstStyle/>
+          <a:p>
+            <a:pPr algn="ctr"/>
+            <a:r>
+              <a:rPr kumimoji="1" lang="ja-JP" altLang="en-US" sz="1400" dirty="0" smtClean="0"/>
+              <a:t>ユニット</a:t>
+            </a:r>
+            <a:r>
+              <a:rPr kumimoji="1" lang="en-US" altLang="ja-JP" sz="1400" dirty="0" smtClean="0"/>
+              <a:t>2</a:t>
+            </a:r>
+            <a:endParaRPr kumimoji="1" lang="ja-JP" altLang="en-US" sz="1400" dirty="0"/>
+          </a:p>
+        </p:txBody>
+      </p:sp>
+      <p:sp>
+        <p:nvSpPr>
+          <p:cNvPr id="21" name="正方形/長方形 20"/>
+          <p:cNvSpPr/>
+          <p:nvPr/>
+        </p:nvSpPr>
+        <p:spPr>
+          <a:xfrm>
+            <a:off x="2817064" y="6099030"/>
+            <a:ext cx="1008112" cy="285728"/>
+          </a:xfrm>
+          <a:prstGeom prst="rect">
+            <a:avLst/>
+          </a:prstGeom>
+        </p:spPr>
+        <p:style>
+          <a:lnRef idx="2">
+            <a:schemeClr val="accent2">
+              <a:shade val="50000"/>
+            </a:schemeClr>
+          </a:lnRef>
+          <a:fillRef idx="1">
+            <a:schemeClr val="accent2"/>
+          </a:fillRef>
+          <a:effectRef idx="0">
+            <a:schemeClr val="accent2"/>
+          </a:effectRef>
+          <a:fontRef idx="minor">
+            <a:schemeClr val="lt1"/>
+          </a:fontRef>
+        </p:style>
+        <p:txBody>
+          <a:bodyPr rtlCol="0" anchor="ctr"/>
+          <a:lstStyle/>
+          <a:p>
+            <a:pPr algn="ctr"/>
+            <a:r>
+              <a:rPr kumimoji="1" lang="ja-JP" altLang="en-US" sz="1400" dirty="0" smtClean="0"/>
+              <a:t>ユニット</a:t>
+            </a:r>
+            <a:r>
+              <a:rPr kumimoji="1" lang="en-US" altLang="ja-JP" sz="1400" dirty="0" smtClean="0"/>
+              <a:t>n</a:t>
+            </a:r>
+            <a:endParaRPr kumimoji="1" lang="ja-JP" altLang="en-US" sz="1400" dirty="0"/>
+          </a:p>
+        </p:txBody>
+      </p:sp>
+      <p:cxnSp>
+        <p:nvCxnSpPr>
+          <p:cNvPr id="25" name="カギ線コネクタ 24"/>
+          <p:cNvCxnSpPr>
+            <a:stCxn id="17" idx="2"/>
+            <a:endCxn id="21" idx="1"/>
+          </p:cNvCxnSpPr>
+          <p:nvPr/>
+        </p:nvCxnSpPr>
+        <p:spPr>
+          <a:xfrm rot="16200000" flipH="1">
+            <a:off x="1998388" y="5423218"/>
+            <a:ext cx="1098860" cy="538491"/>
+          </a:xfrm>
+          <a:prstGeom prst="bentConnector2">
+            <a:avLst/>
+          </a:prstGeom>
+          <a:ln>
+            <a:solidFill>
+              <a:schemeClr val="tx1"/>
+            </a:solidFill>
+            <a:tailEnd type="arrow"/>
+          </a:ln>
+        </p:spPr>
+        <p:style>
+          <a:lnRef idx="1">
+            <a:schemeClr val="accent1"/>
+          </a:lnRef>
+          <a:fillRef idx="0">
+            <a:schemeClr val="accent1"/>
+          </a:fillRef>
+          <a:effectRef idx="0">
+            <a:schemeClr val="accent1"/>
+          </a:effectRef>
+          <a:fontRef idx="minor">
+            <a:schemeClr val="tx1"/>
+          </a:fontRef>
+        </p:style>
+      </p:cxnSp>
+      <p:cxnSp>
+        <p:nvCxnSpPr>
+          <p:cNvPr id="26" name="カギ線コネクタ 25"/>
+          <p:cNvCxnSpPr>
+            <a:stCxn id="17" idx="2"/>
+            <a:endCxn id="18" idx="1"/>
+          </p:cNvCxnSpPr>
+          <p:nvPr/>
+        </p:nvCxnSpPr>
+        <p:spPr>
+          <a:xfrm rot="16200000" flipH="1">
+            <a:off x="2461726" y="4959880"/>
+            <a:ext cx="172185" cy="538491"/>
+          </a:xfrm>
+          <a:prstGeom prst="bentConnector2">
+            <a:avLst/>
+          </a:prstGeom>
+          <a:ln>
+            <a:solidFill>
+              <a:schemeClr val="tx1"/>
+            </a:solidFill>
+            <a:tailEnd type="arrow"/>
+          </a:ln>
+        </p:spPr>
+        <p:style>
+          <a:lnRef idx="1">
+            <a:schemeClr val="accent1"/>
+          </a:lnRef>
+          <a:fillRef idx="0">
+            <a:schemeClr val="accent1"/>
+          </a:fillRef>
+          <a:effectRef idx="0">
+            <a:schemeClr val="accent1"/>
+          </a:effectRef>
+          <a:fontRef idx="minor">
+            <a:schemeClr val="tx1"/>
+          </a:fontRef>
+        </p:style>
+      </p:cxnSp>
+      <p:cxnSp>
+        <p:nvCxnSpPr>
+          <p:cNvPr id="30" name="カギ線コネクタ 29"/>
+          <p:cNvCxnSpPr>
+            <a:stCxn id="17" idx="2"/>
+            <a:endCxn id="19" idx="1"/>
+          </p:cNvCxnSpPr>
+          <p:nvPr/>
+        </p:nvCxnSpPr>
+        <p:spPr>
+          <a:xfrm rot="16200000" flipH="1">
+            <a:off x="2253283" y="5168323"/>
+            <a:ext cx="589070" cy="538491"/>
+          </a:xfrm>
+          <a:prstGeom prst="bentConnector2">
+            <a:avLst/>
+          </a:prstGeom>
+          <a:ln>
+            <a:solidFill>
+              <a:schemeClr val="tx1"/>
+            </a:solidFill>
+            <a:tailEnd type="arrow"/>
+          </a:ln>
+        </p:spPr>
+        <p:style>
+          <a:lnRef idx="1">
+            <a:schemeClr val="accent1"/>
+          </a:lnRef>
+          <a:fillRef idx="0">
+            <a:schemeClr val="accent1"/>
+          </a:fillRef>
+          <a:effectRef idx="0">
+            <a:schemeClr val="accent1"/>
+          </a:effectRef>
+          <a:fontRef idx="minor">
+            <a:schemeClr val="tx1"/>
+          </a:fontRef>
+        </p:style>
+      </p:cxnSp>
+      <p:sp>
+        <p:nvSpPr>
+          <p:cNvPr id="33" name="フローチャート : 磁気ディスク 32"/>
+          <p:cNvSpPr/>
+          <p:nvPr/>
+        </p:nvSpPr>
+        <p:spPr>
+          <a:xfrm>
+            <a:off x="6075181" y="3080521"/>
+            <a:ext cx="2304256" cy="684076"/>
+          </a:xfrm>
+          <a:prstGeom prst="flowChartMagneticDisk">
+            <a:avLst/>
+          </a:prstGeom>
+        </p:spPr>
+        <p:style>
+          <a:lnRef idx="2">
+            <a:schemeClr val="accent1">
+              <a:shade val="50000"/>
+            </a:schemeClr>
+          </a:lnRef>
+          <a:fillRef idx="1">
+            <a:schemeClr val="accent1"/>
+          </a:fillRef>
+          <a:effectRef idx="0">
+            <a:schemeClr val="accent1"/>
+          </a:effectRef>
+          <a:fontRef idx="minor">
+            <a:schemeClr val="lt1"/>
+          </a:fontRef>
+        </p:style>
+        <p:txBody>
+          <a:bodyPr rtlCol="0" anchor="ctr"/>
+          <a:lstStyle/>
+          <a:p>
+            <a:pPr algn="ctr"/>
+            <a:r>
+              <a:rPr lang="ja-JP" altLang="en-US" sz="1600" dirty="0"/>
+              <a:t>識別</a:t>
+            </a:r>
+            <a:r>
+              <a:rPr lang="ja-JP" altLang="en-US" sz="1600" dirty="0" smtClean="0"/>
+              <a:t>結果</a:t>
+            </a:r>
+            <a:endParaRPr kumimoji="1" lang="ja-JP" altLang="en-US" sz="1600" dirty="0"/>
+          </a:p>
+        </p:txBody>
+      </p:sp>
+      <p:sp>
+        <p:nvSpPr>
+          <p:cNvPr id="35" name="正方形/長方形 34"/>
+          <p:cNvSpPr/>
+          <p:nvPr/>
+        </p:nvSpPr>
+        <p:spPr>
+          <a:xfrm>
+            <a:off x="4564827" y="3286136"/>
+            <a:ext cx="864096" cy="285728"/>
+          </a:xfrm>
+          <a:prstGeom prst="rect">
+            <a:avLst/>
+          </a:prstGeom>
+        </p:spPr>
+        <p:style>
+          <a:lnRef idx="2">
+            <a:schemeClr val="accent2">
+              <a:shade val="50000"/>
+            </a:schemeClr>
+          </a:lnRef>
+          <a:fillRef idx="1">
+            <a:schemeClr val="accent2"/>
+          </a:fillRef>
+          <a:effectRef idx="0">
+            <a:schemeClr val="accent2"/>
+          </a:effectRef>
+          <a:fontRef idx="minor">
+            <a:schemeClr val="lt1"/>
+          </a:fontRef>
+        </p:style>
+        <p:txBody>
+          <a:bodyPr rtlCol="0" anchor="ctr"/>
+          <a:lstStyle/>
+          <a:p>
+            <a:pPr algn="ctr"/>
+            <a:r>
+              <a:rPr lang="ja-JP" altLang="en-US" sz="1400" dirty="0"/>
+              <a:t>識別器</a:t>
+            </a:r>
+            <a:endParaRPr kumimoji="1" lang="ja-JP" altLang="en-US" sz="1400" dirty="0"/>
+          </a:p>
+        </p:txBody>
+      </p:sp>
+      <p:cxnSp>
+        <p:nvCxnSpPr>
+          <p:cNvPr id="36" name="直線矢印コネクタ 35"/>
+          <p:cNvCxnSpPr/>
+          <p:nvPr/>
+        </p:nvCxnSpPr>
+        <p:spPr>
+          <a:xfrm flipV="1">
+            <a:off x="4132779" y="3536436"/>
+            <a:ext cx="0" cy="1692689"/>
+          </a:xfrm>
+          <a:prstGeom prst="straightConnector1">
+            <a:avLst/>
+          </a:prstGeom>
+          <a:ln>
+            <a:solidFill>
+              <a:schemeClr val="tx1"/>
+            </a:solidFill>
+            <a:tailEnd type="arrow"/>
+          </a:ln>
+        </p:spPr>
+        <p:style>
+          <a:lnRef idx="1">
+            <a:schemeClr val="accent1"/>
+          </a:lnRef>
+          <a:fillRef idx="0">
+            <a:schemeClr val="accent1"/>
+          </a:fillRef>
+          <a:effectRef idx="0">
+            <a:schemeClr val="accent1"/>
+          </a:effectRef>
+          <a:fontRef idx="minor">
+            <a:schemeClr val="tx1"/>
+          </a:fontRef>
+        </p:style>
+      </p:cxnSp>
+      <p:sp>
+        <p:nvSpPr>
+          <p:cNvPr id="40" name="フローチャート : 結合子 39"/>
+          <p:cNvSpPr/>
+          <p:nvPr/>
+        </p:nvSpPr>
+        <p:spPr>
+          <a:xfrm>
+            <a:off x="4024767" y="3321564"/>
+            <a:ext cx="216024" cy="214872"/>
+          </a:xfrm>
+          <a:prstGeom prst="flowChartConnector">
+            <a:avLst/>
+          </a:prstGeom>
+        </p:spPr>
+        <p:style>
+          <a:lnRef idx="2">
+            <a:schemeClr val="accent2">
+              <a:shade val="50000"/>
+            </a:schemeClr>
+          </a:lnRef>
+          <a:fillRef idx="1">
+            <a:schemeClr val="accent2"/>
+          </a:fillRef>
+          <a:effectRef idx="0">
+            <a:schemeClr val="accent2"/>
+          </a:effectRef>
+          <a:fontRef idx="minor">
+            <a:schemeClr val="lt1"/>
+          </a:fontRef>
+        </p:style>
+        <p:txBody>
+          <a:bodyPr rtlCol="0" anchor="ctr"/>
+          <a:lstStyle/>
+          <a:p>
+            <a:pPr algn="ctr"/>
+            <a:endParaRPr kumimoji="1" lang="ja-JP" altLang="en-US"/>
+          </a:p>
+        </p:txBody>
+      </p:sp>
+      <p:cxnSp>
+        <p:nvCxnSpPr>
+          <p:cNvPr id="42" name="直線矢印コネクタ 41"/>
+          <p:cNvCxnSpPr>
+            <a:endCxn id="35" idx="1"/>
+          </p:cNvCxnSpPr>
+          <p:nvPr/>
+        </p:nvCxnSpPr>
+        <p:spPr>
+          <a:xfrm>
+            <a:off x="4240791" y="3429000"/>
+            <a:ext cx="324036" cy="0"/>
+          </a:xfrm>
+          <a:prstGeom prst="straightConnector1">
+            <a:avLst/>
+          </a:prstGeom>
+          <a:ln>
+            <a:solidFill>
+              <a:schemeClr val="tx1"/>
+            </a:solidFill>
+            <a:tailEnd type="arrow"/>
+          </a:ln>
+        </p:spPr>
+        <p:style>
+          <a:lnRef idx="1">
+            <a:schemeClr val="accent1"/>
+          </a:lnRef>
+          <a:fillRef idx="0">
+            <a:schemeClr val="accent1"/>
+          </a:fillRef>
+          <a:effectRef idx="0">
+            <a:schemeClr val="accent1"/>
+          </a:effectRef>
+          <a:fontRef idx="minor">
+            <a:schemeClr val="tx1"/>
+          </a:fontRef>
+        </p:style>
+      </p:cxnSp>
+      <p:cxnSp>
+        <p:nvCxnSpPr>
+          <p:cNvPr id="45" name="直線矢印コネクタ 44"/>
+          <p:cNvCxnSpPr>
+            <a:stCxn id="35" idx="3"/>
+            <a:endCxn id="33" idx="2"/>
+          </p:cNvCxnSpPr>
+          <p:nvPr/>
+        </p:nvCxnSpPr>
+        <p:spPr>
+          <a:xfrm flipV="1">
+            <a:off x="5428923" y="3422559"/>
+            <a:ext cx="646258" cy="6441"/>
+          </a:xfrm>
+          <a:prstGeom prst="straightConnector1">
+            <a:avLst/>
+          </a:prstGeom>
+          <a:ln>
+            <a:solidFill>
+              <a:schemeClr val="tx1"/>
+            </a:solidFill>
+            <a:tailEnd type="arrow"/>
+          </a:ln>
+        </p:spPr>
+        <p:style>
+          <a:lnRef idx="1">
+            <a:schemeClr val="accent1"/>
+          </a:lnRef>
+          <a:fillRef idx="0">
+            <a:schemeClr val="accent1"/>
+          </a:fillRef>
+          <a:effectRef idx="0">
+            <a:schemeClr val="accent1"/>
+          </a:effectRef>
+          <a:fontRef idx="minor">
+            <a:schemeClr val="tx1"/>
+          </a:fontRef>
+        </p:style>
+      </p:cxnSp>
+      <p:cxnSp>
+        <p:nvCxnSpPr>
+          <p:cNvPr id="48" name="カギ線コネクタ 47"/>
+          <p:cNvCxnSpPr>
+            <a:stCxn id="40" idx="5"/>
+            <a:endCxn id="34" idx="2"/>
+          </p:cNvCxnSpPr>
+          <p:nvPr/>
+        </p:nvCxnSpPr>
+        <p:spPr>
+          <a:xfrm rot="16200000" flipH="1">
+            <a:off x="4945370" y="2768754"/>
+            <a:ext cx="393596" cy="1866026"/>
+          </a:xfrm>
+          <a:prstGeom prst="bentConnector2">
+            <a:avLst/>
+          </a:prstGeom>
+          <a:ln>
+            <a:solidFill>
+              <a:schemeClr val="tx1"/>
+            </a:solidFill>
+            <a:tailEnd type="arrow"/>
+          </a:ln>
+        </p:spPr>
+        <p:style>
+          <a:lnRef idx="1">
+            <a:schemeClr val="accent1"/>
+          </a:lnRef>
+          <a:fillRef idx="0">
+            <a:schemeClr val="accent1"/>
+          </a:fillRef>
+          <a:effectRef idx="0">
+            <a:schemeClr val="accent1"/>
+          </a:effectRef>
+          <a:fontRef idx="minor">
+            <a:schemeClr val="tx1"/>
+          </a:fontRef>
+        </p:style>
+      </p:cxnSp>
+      <p:sp>
+        <p:nvSpPr>
+          <p:cNvPr id="52" name="テキスト ボックス 51"/>
+          <p:cNvSpPr txBox="1"/>
+          <p:nvPr/>
+        </p:nvSpPr>
+        <p:spPr>
+          <a:xfrm>
+            <a:off x="0" y="5039606"/>
+            <a:ext cx="1796027" cy="954107"/>
+          </a:xfrm>
+          <a:prstGeom prst="rect">
+            <a:avLst/>
+          </a:prstGeom>
+          <a:noFill/>
+        </p:spPr>
+        <p:txBody>
+          <a:bodyPr wrap="square" rtlCol="0">
+            <a:spAutoFit/>
+          </a:bodyPr>
+          <a:lstStyle/>
+          <a:p>
+            <a:r>
+              <a:rPr kumimoji="1" lang="ja-JP" altLang="en-US" sz="1400" dirty="0" smtClean="0"/>
+              <a:t>　</a:t>
+            </a:r>
+            <a:r>
+              <a:rPr kumimoji="1" lang="ja-JP" altLang="en-US" sz="1400" dirty="0" smtClean="0"/>
+              <a:t>ユニットは</a:t>
+            </a:r>
+            <a:r>
+              <a:rPr kumimoji="1" lang="en-US" altLang="ja-JP" sz="1400" dirty="0" smtClean="0"/>
+              <a:t>filter.txt</a:t>
+            </a:r>
+            <a:r>
+              <a:rPr kumimoji="1" lang="ja-JP" altLang="en-US" sz="1400" dirty="0" smtClean="0"/>
+              <a:t>に記載された帯域</a:t>
+            </a:r>
+            <a:r>
+              <a:rPr kumimoji="1" lang="ja-JP" altLang="en-US" sz="1400" dirty="0" smtClean="0"/>
+              <a:t>フィルタ情報の数だけ用意</a:t>
+            </a:r>
+            <a:r>
+              <a:rPr kumimoji="1" lang="ja-JP" altLang="en-US" sz="1400" dirty="0" smtClean="0"/>
+              <a:t>される。</a:t>
+            </a:r>
+            <a:endParaRPr kumimoji="1" lang="ja-JP" altLang="en-US" sz="1400" dirty="0"/>
+          </a:p>
+        </p:txBody>
+      </p:sp>
+      <p:sp>
+        <p:nvSpPr>
+          <p:cNvPr id="53" name="テキスト ボックス 52"/>
+          <p:cNvSpPr txBox="1"/>
+          <p:nvPr/>
+        </p:nvSpPr>
+        <p:spPr>
+          <a:xfrm>
+            <a:off x="1376178" y="3286136"/>
+            <a:ext cx="491999" cy="369332"/>
+          </a:xfrm>
+          <a:prstGeom prst="rect">
+            <a:avLst/>
+          </a:prstGeom>
+          <a:noFill/>
+        </p:spPr>
+        <p:txBody>
+          <a:bodyPr wrap="square" rtlCol="0">
+            <a:spAutoFit/>
+          </a:bodyPr>
+          <a:lstStyle/>
+          <a:p>
+            <a:r>
+              <a:rPr kumimoji="1" lang="en-US" altLang="ja-JP" dirty="0" smtClean="0"/>
+              <a:t>1)</a:t>
+            </a:r>
+            <a:endParaRPr kumimoji="1" lang="ja-JP" altLang="en-US" dirty="0"/>
+          </a:p>
+        </p:txBody>
+      </p:sp>
+      <p:sp>
+        <p:nvSpPr>
+          <p:cNvPr id="55" name="テキスト ボックス 54"/>
+          <p:cNvSpPr txBox="1"/>
+          <p:nvPr/>
+        </p:nvSpPr>
+        <p:spPr>
+          <a:xfrm>
+            <a:off x="4716016" y="5010600"/>
+            <a:ext cx="3970784" cy="954107"/>
+          </a:xfrm>
+          <a:prstGeom prst="rect">
+            <a:avLst/>
+          </a:prstGeom>
+          <a:noFill/>
+        </p:spPr>
+        <p:txBody>
+          <a:bodyPr wrap="square" rtlCol="0">
+            <a:spAutoFit/>
+          </a:bodyPr>
+          <a:lstStyle/>
+          <a:p>
+            <a:r>
+              <a:rPr kumimoji="1" lang="en-US" altLang="ja-JP" sz="1400" dirty="0" smtClean="0"/>
+              <a:t>1) </a:t>
+            </a:r>
+            <a:r>
+              <a:rPr kumimoji="1" lang="ja-JP" altLang="en-US" sz="1400" dirty="0" smtClean="0"/>
+              <a:t>音源データを読み込む</a:t>
+            </a:r>
+            <a:endParaRPr kumimoji="1" lang="en-US" altLang="ja-JP" sz="1400" dirty="0" smtClean="0"/>
+          </a:p>
+          <a:p>
+            <a:r>
+              <a:rPr lang="en-US" altLang="ja-JP" sz="1400" dirty="0" smtClean="0"/>
+              <a:t>2) </a:t>
+            </a:r>
+            <a:r>
+              <a:rPr lang="ja-JP" altLang="en-US" sz="1400" dirty="0" smtClean="0"/>
+              <a:t>パワースペクトル</a:t>
+            </a:r>
+            <a:r>
+              <a:rPr lang="ja-JP" altLang="en-US" sz="1400" dirty="0" smtClean="0"/>
+              <a:t>をユニットへ</a:t>
+            </a:r>
+            <a:r>
+              <a:rPr lang="ja-JP" altLang="en-US" sz="1400" dirty="0" smtClean="0"/>
+              <a:t>入力</a:t>
+            </a:r>
+            <a:endParaRPr lang="en-US" altLang="ja-JP" sz="1400" dirty="0" smtClean="0"/>
+          </a:p>
+          <a:p>
+            <a:r>
+              <a:rPr lang="en-US" altLang="ja-JP" sz="1400" dirty="0" smtClean="0"/>
+              <a:t>3</a:t>
+            </a:r>
+            <a:r>
+              <a:rPr lang="en-US" altLang="ja-JP" sz="1400" dirty="0" smtClean="0"/>
+              <a:t>) </a:t>
+            </a:r>
+            <a:r>
+              <a:rPr lang="ja-JP" altLang="en-US" sz="1400" dirty="0" smtClean="0"/>
+              <a:t>ユニットにより生成</a:t>
+            </a:r>
+            <a:r>
+              <a:rPr lang="ja-JP" altLang="en-US" sz="1400" dirty="0" smtClean="0"/>
+              <a:t>された特徴ベクトルを回収</a:t>
+            </a:r>
+            <a:endParaRPr lang="en-US" altLang="ja-JP" sz="1400" dirty="0"/>
+          </a:p>
+          <a:p>
+            <a:r>
+              <a:rPr lang="en-US" altLang="ja-JP" sz="1400" dirty="0" smtClean="0"/>
+              <a:t>4) </a:t>
+            </a:r>
+            <a:r>
+              <a:rPr lang="ja-JP" altLang="en-US" sz="1400" dirty="0" smtClean="0"/>
+              <a:t>必要</a:t>
+            </a:r>
+            <a:r>
+              <a:rPr lang="ja-JP" altLang="en-US" sz="1400" dirty="0" smtClean="0"/>
+              <a:t>なら特徴ベクトルを識別する</a:t>
+            </a:r>
+            <a:endParaRPr lang="en-US" altLang="ja-JP" sz="1400" dirty="0"/>
+          </a:p>
+        </p:txBody>
+      </p:sp>
+      <p:sp>
+        <p:nvSpPr>
+          <p:cNvPr id="56" name="テキスト ボックス 55"/>
+          <p:cNvSpPr txBox="1"/>
+          <p:nvPr/>
+        </p:nvSpPr>
+        <p:spPr>
+          <a:xfrm>
+            <a:off x="2267604" y="4091589"/>
+            <a:ext cx="491999" cy="369332"/>
+          </a:xfrm>
+          <a:prstGeom prst="rect">
+            <a:avLst/>
+          </a:prstGeom>
+          <a:noFill/>
+        </p:spPr>
+        <p:txBody>
+          <a:bodyPr wrap="square" rtlCol="0">
+            <a:spAutoFit/>
+          </a:bodyPr>
+          <a:lstStyle/>
+          <a:p>
+            <a:r>
+              <a:rPr kumimoji="1" lang="en-US" altLang="ja-JP" dirty="0" smtClean="0"/>
+              <a:t>2)</a:t>
+            </a:r>
+            <a:endParaRPr kumimoji="1" lang="ja-JP" altLang="en-US" dirty="0"/>
+          </a:p>
+        </p:txBody>
+      </p:sp>
+      <p:sp>
+        <p:nvSpPr>
+          <p:cNvPr id="57" name="テキスト ボックス 56"/>
+          <p:cNvSpPr txBox="1"/>
+          <p:nvPr/>
+        </p:nvSpPr>
+        <p:spPr>
+          <a:xfrm>
+            <a:off x="3778767" y="4042324"/>
+            <a:ext cx="491999" cy="369332"/>
+          </a:xfrm>
+          <a:prstGeom prst="rect">
+            <a:avLst/>
+          </a:prstGeom>
+          <a:noFill/>
+        </p:spPr>
+        <p:txBody>
+          <a:bodyPr wrap="square" rtlCol="0">
+            <a:spAutoFit/>
+          </a:bodyPr>
+          <a:lstStyle/>
+          <a:p>
+            <a:r>
+              <a:rPr lang="en-US" altLang="ja-JP" dirty="0"/>
+              <a:t>3</a:t>
+            </a:r>
+            <a:r>
+              <a:rPr kumimoji="1" lang="en-US" altLang="ja-JP" dirty="0" smtClean="0"/>
+              <a:t>)</a:t>
+            </a:r>
+            <a:endParaRPr kumimoji="1" lang="ja-JP" altLang="en-US" dirty="0"/>
+          </a:p>
+        </p:txBody>
+      </p:sp>
+      <p:sp>
+        <p:nvSpPr>
+          <p:cNvPr id="58" name="テキスト ボックス 57"/>
+          <p:cNvSpPr txBox="1"/>
+          <p:nvPr/>
+        </p:nvSpPr>
+        <p:spPr>
+          <a:xfrm>
+            <a:off x="5615608" y="3092471"/>
+            <a:ext cx="491999" cy="369332"/>
+          </a:xfrm>
+          <a:prstGeom prst="rect">
+            <a:avLst/>
+          </a:prstGeom>
+          <a:noFill/>
+        </p:spPr>
+        <p:txBody>
+          <a:bodyPr wrap="square" rtlCol="0">
+            <a:spAutoFit/>
+          </a:bodyPr>
+          <a:lstStyle/>
+          <a:p>
+            <a:r>
+              <a:rPr lang="en-US" altLang="ja-JP" dirty="0"/>
+              <a:t>4</a:t>
+            </a:r>
+            <a:r>
+              <a:rPr kumimoji="1" lang="en-US" altLang="ja-JP" dirty="0" smtClean="0"/>
+              <a:t>)</a:t>
+            </a:r>
+            <a:endParaRPr kumimoji="1" lang="ja-JP" altLang="en-US" dirty="0"/>
+          </a:p>
+        </p:txBody>
+      </p:sp>
+      <p:sp>
+        <p:nvSpPr>
+          <p:cNvPr id="59" name="スライド番号プレースホルダー 58"/>
+          <p:cNvSpPr>
+            <a:spLocks noGrp="1"/>
+          </p:cNvSpPr>
+          <p:nvPr>
+            <p:ph type="sldNum" sz="quarter" idx="12"/>
+          </p:nvPr>
+        </p:nvSpPr>
+        <p:spPr/>
+        <p:txBody>
+          <a:bodyPr/>
+          <a:lstStyle/>
+          <a:p>
+            <a:fld id="{D2D8002D-B5B0-4BAC-B1F6-782DDCCE6D9C}" type="slidenum">
+              <a:rPr kumimoji="1" lang="ja-JP" altLang="en-US" smtClean="0"/>
+              <a:t>4</a:t>
+            </a:fld>
+            <a:endParaRPr kumimoji="1" lang="ja-JP" altLang="en-US" dirty="0"/>
+          </a:p>
+        </p:txBody>
+      </p:sp>
+    </p:spTree>
+    <p:extLst>
+      <p:ext uri="{BB962C8B-B14F-4D97-AF65-F5344CB8AC3E}">
+        <p14:creationId xmlns:p14="http://schemas.microsoft.com/office/powerpoint/2010/main" val="3296389297"/>
+      </p:ext>
+    </p:extLst>
+  </p:cSld>
+  <p:clrMapOvr>
+    <a:masterClrMapping/>
+  </p:clrMapOvr>
+</p:sld>
+</file>
+
+<file path=ppt/slides/slide5.xml><?xml version="1.0" encoding="utf-8"?>
+<p:sld xmlns:a="http://schemas.openxmlformats.org/drawingml/2006/main" xmlns:r="http://schemas.openxmlformats.org/officeDocument/2006/relationships" xmlns:p="http://schemas.openxmlformats.org/presentationml/2006/main">
+  <p:cSld>
+    <p:spTree>
+      <p:nvGrpSpPr>
+        <p:cNvPr id="1" name=""/>
+        <p:cNvGrpSpPr/>
+        <p:nvPr/>
+      </p:nvGrpSpPr>
+      <p:grpSpPr>
+        <a:xfrm>
+          <a:off x="0" y="0"/>
+          <a:ext cx="0" cy="0"/>
+          <a:chOff x="0" y="0"/>
+          <a:chExt cx="0" cy="0"/>
+        </a:xfrm>
+      </p:grpSpPr>
+      <p:sp>
+        <p:nvSpPr>
+          <p:cNvPr id="45" name="角丸四角形 44"/>
+          <p:cNvSpPr/>
+          <p:nvPr/>
+        </p:nvSpPr>
+        <p:spPr>
+          <a:xfrm>
+            <a:off x="1897276" y="3933056"/>
+            <a:ext cx="5509942" cy="1728192"/>
+          </a:xfrm>
+          <a:prstGeom prst="roundRect">
+            <a:avLst/>
+          </a:prstGeom>
+          <a:noFill/>
+          <a:ln w="28575">
+            <a:prstDash val="dash"/>
+          </a:ln>
+        </p:spPr>
+        <p:style>
+          <a:lnRef idx="2">
+            <a:schemeClr val="accent1">
+              <a:shade val="50000"/>
+            </a:schemeClr>
+          </a:lnRef>
+          <a:fillRef idx="1">
+            <a:schemeClr val="accent1"/>
+          </a:fillRef>
+          <a:effectRef idx="0">
+            <a:schemeClr val="accent1"/>
+          </a:effectRef>
+          <a:fontRef idx="minor">
+            <a:schemeClr val="lt1"/>
+          </a:fontRef>
+        </p:style>
+        <p:txBody>
+          <a:bodyPr rtlCol="0" anchor="ctr"/>
+          <a:lstStyle/>
+          <a:p>
+            <a:pPr algn="ctr"/>
+            <a:endParaRPr kumimoji="1" lang="ja-JP" altLang="en-US"/>
+          </a:p>
+        </p:txBody>
+      </p:sp>
+      <p:sp>
+        <p:nvSpPr>
+          <p:cNvPr id="2" name="コンテンツ プレースホルダー 1"/>
+          <p:cNvSpPr>
+            <a:spLocks noGrp="1"/>
+          </p:cNvSpPr>
+          <p:nvPr>
+            <p:ph idx="1"/>
+          </p:nvPr>
+        </p:nvSpPr>
+        <p:spPr>
+          <a:xfrm>
+            <a:off x="872067" y="2420889"/>
+            <a:ext cx="7408333" cy="792088"/>
+          </a:xfrm>
+        </p:spPr>
+        <p:txBody>
+          <a:bodyPr>
+            <a:normAutofit fontScale="92500" lnSpcReduction="10000"/>
+          </a:bodyPr>
+          <a:lstStyle/>
+          <a:p>
+            <a:r>
+              <a:rPr kumimoji="1" lang="ja-JP" altLang="en-US" dirty="0" smtClean="0"/>
+              <a:t>ユニットは鳴き声検出器とコアユニットの組み合わせ</a:t>
+            </a:r>
+            <a:endParaRPr kumimoji="1" lang="en-US" altLang="ja-JP" dirty="0" smtClean="0"/>
+          </a:p>
+          <a:p>
+            <a:r>
+              <a:rPr lang="ja-JP" altLang="en-US" dirty="0" smtClean="0"/>
+              <a:t>コアユニット</a:t>
+            </a:r>
+            <a:r>
+              <a:rPr lang="ja-JP" altLang="en-US" dirty="0" smtClean="0"/>
+              <a:t>が特徴</a:t>
+            </a:r>
+            <a:r>
+              <a:rPr lang="ja-JP" altLang="en-US" dirty="0" smtClean="0"/>
+              <a:t>ベクトルを</a:t>
+            </a:r>
+            <a:r>
+              <a:rPr lang="ja-JP" altLang="en-US" dirty="0" smtClean="0"/>
+              <a:t>生成する</a:t>
+            </a:r>
+            <a:endParaRPr kumimoji="1" lang="ja-JP" altLang="en-US" dirty="0"/>
+          </a:p>
+        </p:txBody>
+      </p:sp>
+      <p:sp>
+        <p:nvSpPr>
+          <p:cNvPr id="3" name="タイトル 2"/>
+          <p:cNvSpPr>
+            <a:spLocks noGrp="1"/>
+          </p:cNvSpPr>
+          <p:nvPr>
+            <p:ph type="title"/>
+          </p:nvPr>
+        </p:nvSpPr>
+        <p:spPr/>
+        <p:txBody>
+          <a:bodyPr/>
+          <a:lstStyle/>
+          <a:p>
+            <a:r>
+              <a:rPr kumimoji="1" lang="ja-JP" altLang="en-US" dirty="0" smtClean="0"/>
+              <a:t>ユニットの</a:t>
+            </a:r>
+            <a:r>
+              <a:rPr kumimoji="1" lang="ja-JP" altLang="en-US" dirty="0" smtClean="0"/>
+              <a:t>構造</a:t>
+            </a:r>
+            <a:endParaRPr kumimoji="1" lang="ja-JP" altLang="en-US" dirty="0"/>
+          </a:p>
+        </p:txBody>
+      </p:sp>
+      <p:sp>
+        <p:nvSpPr>
+          <p:cNvPr id="4" name="正方形/長方形 3"/>
+          <p:cNvSpPr/>
+          <p:nvPr/>
+        </p:nvSpPr>
+        <p:spPr>
+          <a:xfrm>
+            <a:off x="2078625" y="4453226"/>
+            <a:ext cx="1611082" cy="576064"/>
+          </a:xfrm>
+          <a:prstGeom prst="rect">
+            <a:avLst/>
+          </a:prstGeom>
+        </p:spPr>
+        <p:style>
+          <a:lnRef idx="2">
+            <a:schemeClr val="accent2">
+              <a:shade val="50000"/>
+            </a:schemeClr>
+          </a:lnRef>
+          <a:fillRef idx="1">
+            <a:schemeClr val="accent2"/>
+          </a:fillRef>
+          <a:effectRef idx="0">
+            <a:schemeClr val="accent2"/>
+          </a:effectRef>
+          <a:fontRef idx="minor">
+            <a:schemeClr val="lt1"/>
+          </a:fontRef>
+        </p:style>
+        <p:txBody>
+          <a:bodyPr rtlCol="0" anchor="ctr"/>
+          <a:lstStyle/>
+          <a:p>
+            <a:pPr algn="ctr"/>
+            <a:r>
+              <a:rPr kumimoji="1" lang="ja-JP" altLang="en-US" dirty="0" smtClean="0"/>
+              <a:t>鳴き声検出器</a:t>
+            </a:r>
+            <a:endParaRPr kumimoji="1" lang="ja-JP" altLang="en-US" dirty="0"/>
+          </a:p>
+        </p:txBody>
+      </p:sp>
+      <p:sp>
+        <p:nvSpPr>
+          <p:cNvPr id="5" name="フローチャート : 判断 4"/>
+          <p:cNvSpPr/>
+          <p:nvPr/>
+        </p:nvSpPr>
+        <p:spPr>
+          <a:xfrm>
+            <a:off x="3914638" y="4543236"/>
+            <a:ext cx="468052" cy="396044"/>
+          </a:xfrm>
+          <a:prstGeom prst="flowChartDecision">
+            <a:avLst/>
+          </a:prstGeom>
+        </p:spPr>
+        <p:style>
+          <a:lnRef idx="2">
+            <a:schemeClr val="accent1">
+              <a:shade val="50000"/>
+            </a:schemeClr>
+          </a:lnRef>
+          <a:fillRef idx="1">
+            <a:schemeClr val="accent1"/>
+          </a:fillRef>
+          <a:effectRef idx="0">
+            <a:schemeClr val="accent1"/>
+          </a:effectRef>
+          <a:fontRef idx="minor">
+            <a:schemeClr val="lt1"/>
+          </a:fontRef>
+        </p:style>
+        <p:txBody>
+          <a:bodyPr rtlCol="0" anchor="ctr"/>
+          <a:lstStyle/>
+          <a:p>
+            <a:pPr algn="ctr"/>
+            <a:endParaRPr kumimoji="1" lang="ja-JP" altLang="en-US"/>
+          </a:p>
+        </p:txBody>
+      </p:sp>
+      <p:sp>
+        <p:nvSpPr>
+          <p:cNvPr id="6" name="正方形/長方形 5"/>
+          <p:cNvSpPr/>
+          <p:nvPr/>
+        </p:nvSpPr>
+        <p:spPr>
+          <a:xfrm>
+            <a:off x="5318985" y="4450290"/>
+            <a:ext cx="1684506" cy="576064"/>
+          </a:xfrm>
+          <a:prstGeom prst="rect">
+            <a:avLst/>
+          </a:prstGeom>
+        </p:spPr>
+        <p:style>
+          <a:lnRef idx="2">
+            <a:schemeClr val="accent2">
+              <a:shade val="50000"/>
+            </a:schemeClr>
+          </a:lnRef>
+          <a:fillRef idx="1">
+            <a:schemeClr val="accent2"/>
+          </a:fillRef>
+          <a:effectRef idx="0">
+            <a:schemeClr val="accent2"/>
+          </a:effectRef>
+          <a:fontRef idx="minor">
+            <a:schemeClr val="lt1"/>
+          </a:fontRef>
+        </p:style>
+        <p:txBody>
+          <a:bodyPr rtlCol="0" anchor="ctr"/>
+          <a:lstStyle/>
+          <a:p>
+            <a:pPr algn="ctr"/>
+            <a:r>
+              <a:rPr kumimoji="1" lang="ja-JP" altLang="en-US" dirty="0" smtClean="0"/>
+              <a:t>コアユニット</a:t>
+            </a:r>
+            <a:endParaRPr kumimoji="1" lang="ja-JP" altLang="en-US" dirty="0"/>
+          </a:p>
+        </p:txBody>
+      </p:sp>
+      <p:cxnSp>
+        <p:nvCxnSpPr>
+          <p:cNvPr id="8" name="直線矢印コネクタ 7"/>
+          <p:cNvCxnSpPr>
+            <a:stCxn id="5" idx="3"/>
+            <a:endCxn id="6" idx="1"/>
+          </p:cNvCxnSpPr>
+          <p:nvPr/>
+        </p:nvCxnSpPr>
+        <p:spPr>
+          <a:xfrm flipV="1">
+            <a:off x="4382690" y="4738322"/>
+            <a:ext cx="936295" cy="2936"/>
+          </a:xfrm>
+          <a:prstGeom prst="straightConnector1">
+            <a:avLst/>
+          </a:prstGeom>
+          <a:ln>
+            <a:solidFill>
+              <a:schemeClr val="tx1"/>
+            </a:solidFill>
+            <a:tailEnd type="arrow"/>
+          </a:ln>
+        </p:spPr>
+        <p:style>
+          <a:lnRef idx="1">
+            <a:schemeClr val="accent1"/>
+          </a:lnRef>
+          <a:fillRef idx="0">
+            <a:schemeClr val="accent1"/>
+          </a:fillRef>
+          <a:effectRef idx="0">
+            <a:schemeClr val="accent1"/>
+          </a:effectRef>
+          <a:fontRef idx="minor">
+            <a:schemeClr val="tx1"/>
+          </a:fontRef>
+        </p:style>
+      </p:cxnSp>
+      <p:cxnSp>
+        <p:nvCxnSpPr>
+          <p:cNvPr id="9" name="直線矢印コネクタ 8"/>
+          <p:cNvCxnSpPr>
+            <a:stCxn id="4" idx="3"/>
+            <a:endCxn id="5" idx="1"/>
+          </p:cNvCxnSpPr>
+          <p:nvPr/>
+        </p:nvCxnSpPr>
+        <p:spPr>
+          <a:xfrm>
+            <a:off x="3689707" y="4741258"/>
+            <a:ext cx="224931" cy="0"/>
+          </a:xfrm>
+          <a:prstGeom prst="straightConnector1">
+            <a:avLst/>
+          </a:prstGeom>
+          <a:ln>
+            <a:solidFill>
+              <a:schemeClr val="tx1"/>
+            </a:solidFill>
+            <a:tailEnd type="arrow"/>
+          </a:ln>
+        </p:spPr>
+        <p:style>
+          <a:lnRef idx="1">
+            <a:schemeClr val="accent1"/>
+          </a:lnRef>
+          <a:fillRef idx="0">
+            <a:schemeClr val="accent1"/>
+          </a:fillRef>
+          <a:effectRef idx="0">
+            <a:schemeClr val="accent1"/>
+          </a:effectRef>
+          <a:fontRef idx="minor">
+            <a:schemeClr val="tx1"/>
+          </a:fontRef>
+        </p:style>
+      </p:cxnSp>
+      <p:sp>
+        <p:nvSpPr>
+          <p:cNvPr id="20" name="テキスト ボックス 19"/>
+          <p:cNvSpPr txBox="1"/>
+          <p:nvPr/>
+        </p:nvSpPr>
+        <p:spPr>
+          <a:xfrm>
+            <a:off x="3802172" y="3981786"/>
+            <a:ext cx="2668941" cy="461665"/>
+          </a:xfrm>
+          <a:prstGeom prst="rect">
+            <a:avLst/>
+          </a:prstGeom>
+          <a:noFill/>
+        </p:spPr>
+        <p:txBody>
+          <a:bodyPr wrap="square" rtlCol="0">
+            <a:spAutoFit/>
+          </a:bodyPr>
+          <a:lstStyle/>
+          <a:p>
+            <a:r>
+              <a:rPr kumimoji="1" lang="ja-JP" altLang="en-US" sz="1200" dirty="0" smtClean="0"/>
+              <a:t>鳴き声が検出される</a:t>
+            </a:r>
+            <a:r>
+              <a:rPr lang="ja-JP" altLang="en-US" sz="1200" dirty="0" smtClean="0"/>
+              <a:t>と、コアユニットへ検出期間分のパワースペクトルをパス</a:t>
+            </a:r>
+            <a:endParaRPr kumimoji="1" lang="ja-JP" altLang="en-US" sz="1200" dirty="0"/>
+          </a:p>
+        </p:txBody>
+      </p:sp>
+      <p:cxnSp>
+        <p:nvCxnSpPr>
+          <p:cNvPr id="29" name="直線矢印コネクタ 28"/>
+          <p:cNvCxnSpPr>
+            <a:endCxn id="4" idx="1"/>
+          </p:cNvCxnSpPr>
+          <p:nvPr/>
+        </p:nvCxnSpPr>
+        <p:spPr>
+          <a:xfrm>
+            <a:off x="1186208" y="4741258"/>
+            <a:ext cx="892417" cy="0"/>
+          </a:xfrm>
+          <a:prstGeom prst="straightConnector1">
+            <a:avLst/>
+          </a:prstGeom>
+          <a:ln>
+            <a:solidFill>
+              <a:schemeClr val="tx1"/>
+            </a:solidFill>
+            <a:tailEnd type="arrow"/>
+          </a:ln>
+        </p:spPr>
+        <p:style>
+          <a:lnRef idx="1">
+            <a:schemeClr val="accent1"/>
+          </a:lnRef>
+          <a:fillRef idx="0">
+            <a:schemeClr val="accent1"/>
+          </a:fillRef>
+          <a:effectRef idx="0">
+            <a:schemeClr val="accent1"/>
+          </a:effectRef>
+          <a:fontRef idx="minor">
+            <a:schemeClr val="tx1"/>
+          </a:fontRef>
+        </p:style>
+      </p:cxnSp>
+      <p:cxnSp>
+        <p:nvCxnSpPr>
+          <p:cNvPr id="32" name="直線矢印コネクタ 31"/>
+          <p:cNvCxnSpPr>
+            <a:stCxn id="6" idx="3"/>
+          </p:cNvCxnSpPr>
+          <p:nvPr/>
+        </p:nvCxnSpPr>
+        <p:spPr>
+          <a:xfrm>
+            <a:off x="7003491" y="4738322"/>
+            <a:ext cx="1267822" cy="0"/>
+          </a:xfrm>
+          <a:prstGeom prst="straightConnector1">
+            <a:avLst/>
+          </a:prstGeom>
+          <a:ln>
+            <a:solidFill>
+              <a:schemeClr val="tx1"/>
+            </a:solidFill>
+            <a:tailEnd type="arrow"/>
+          </a:ln>
+        </p:spPr>
+        <p:style>
+          <a:lnRef idx="1">
+            <a:schemeClr val="accent1"/>
+          </a:lnRef>
+          <a:fillRef idx="0">
+            <a:schemeClr val="accent1"/>
+          </a:fillRef>
+          <a:effectRef idx="0">
+            <a:schemeClr val="accent1"/>
+          </a:effectRef>
+          <a:fontRef idx="minor">
+            <a:schemeClr val="tx1"/>
+          </a:fontRef>
+        </p:style>
+      </p:cxnSp>
+      <p:sp>
+        <p:nvSpPr>
+          <p:cNvPr id="46" name="テキスト ボックス 45"/>
+          <p:cNvSpPr txBox="1"/>
+          <p:nvPr/>
+        </p:nvSpPr>
+        <p:spPr>
+          <a:xfrm>
+            <a:off x="2058008" y="3550153"/>
+            <a:ext cx="2792829" cy="369332"/>
+          </a:xfrm>
+          <a:prstGeom prst="rect">
+            <a:avLst/>
+          </a:prstGeom>
+          <a:noFill/>
+        </p:spPr>
+        <p:txBody>
+          <a:bodyPr wrap="square" rtlCol="0">
+            <a:spAutoFit/>
+          </a:bodyPr>
+          <a:lstStyle/>
+          <a:p>
+            <a:r>
+              <a:rPr lang="en-US" altLang="ja-JP" dirty="0" err="1" smtClean="0"/>
+              <a:t>GeneratorUnit</a:t>
+            </a:r>
+            <a:r>
+              <a:rPr lang="ja-JP" altLang="en-US" dirty="0" smtClean="0"/>
+              <a:t>クラス</a:t>
+            </a:r>
+            <a:endParaRPr kumimoji="1" lang="ja-JP" altLang="en-US" dirty="0"/>
+          </a:p>
+        </p:txBody>
+      </p:sp>
+      <p:sp>
+        <p:nvSpPr>
+          <p:cNvPr id="61" name="テキスト ボックス 60"/>
+          <p:cNvSpPr txBox="1"/>
+          <p:nvPr/>
+        </p:nvSpPr>
+        <p:spPr>
+          <a:xfrm>
+            <a:off x="5038694" y="5029290"/>
+            <a:ext cx="2211505" cy="523220"/>
+          </a:xfrm>
+          <a:prstGeom prst="rect">
+            <a:avLst/>
+          </a:prstGeom>
+          <a:noFill/>
+        </p:spPr>
+        <p:txBody>
+          <a:bodyPr wrap="square" rtlCol="0">
+            <a:spAutoFit/>
+          </a:bodyPr>
+          <a:lstStyle/>
+          <a:p>
+            <a:pPr algn="ctr"/>
+            <a:r>
+              <a:rPr lang="en-US" altLang="ja-JP" sz="1400" dirty="0" err="1" smtClean="0"/>
+              <a:t>FeatureGeneratorCoreUnit</a:t>
+            </a:r>
+            <a:endParaRPr lang="en-US" altLang="ja-JP" sz="1400" dirty="0" smtClean="0"/>
+          </a:p>
+          <a:p>
+            <a:pPr algn="ctr"/>
+            <a:r>
+              <a:rPr lang="ja-JP" altLang="en-US" sz="1400" dirty="0" smtClean="0"/>
+              <a:t>クラス</a:t>
+            </a:r>
+            <a:endParaRPr lang="en-US" altLang="ja-JP" sz="1400" dirty="0"/>
+          </a:p>
+        </p:txBody>
+      </p:sp>
+      <p:sp>
+        <p:nvSpPr>
+          <p:cNvPr id="62" name="テキスト ボックス 61"/>
+          <p:cNvSpPr txBox="1"/>
+          <p:nvPr/>
+        </p:nvSpPr>
+        <p:spPr>
+          <a:xfrm>
+            <a:off x="7520224" y="4317685"/>
+            <a:ext cx="1516272" cy="369332"/>
+          </a:xfrm>
+          <a:prstGeom prst="rect">
+            <a:avLst/>
+          </a:prstGeom>
+          <a:noFill/>
+        </p:spPr>
+        <p:txBody>
+          <a:bodyPr wrap="square" rtlCol="0">
+            <a:spAutoFit/>
+          </a:bodyPr>
+          <a:lstStyle/>
+          <a:p>
+            <a:r>
+              <a:rPr kumimoji="1" lang="ja-JP" altLang="en-US" dirty="0" smtClean="0"/>
+              <a:t>特徴ベクトル</a:t>
+            </a:r>
+            <a:endParaRPr kumimoji="1" lang="ja-JP" altLang="en-US" dirty="0"/>
+          </a:p>
+        </p:txBody>
+      </p:sp>
+      <p:sp>
+        <p:nvSpPr>
+          <p:cNvPr id="63" name="テキスト ボックス 62"/>
+          <p:cNvSpPr txBox="1"/>
+          <p:nvPr/>
+        </p:nvSpPr>
+        <p:spPr>
+          <a:xfrm>
+            <a:off x="0" y="4317685"/>
+            <a:ext cx="1897276" cy="369332"/>
+          </a:xfrm>
+          <a:prstGeom prst="rect">
+            <a:avLst/>
+          </a:prstGeom>
+          <a:noFill/>
+        </p:spPr>
+        <p:txBody>
+          <a:bodyPr wrap="square" rtlCol="0">
+            <a:spAutoFit/>
+          </a:bodyPr>
+          <a:lstStyle/>
+          <a:p>
+            <a:pPr algn="ctr"/>
+            <a:r>
+              <a:rPr kumimoji="1" lang="ja-JP" altLang="en-US" dirty="0" smtClean="0"/>
+              <a:t>パワースペクトル</a:t>
+            </a:r>
+            <a:endParaRPr kumimoji="1" lang="ja-JP" altLang="en-US" dirty="0"/>
+          </a:p>
+        </p:txBody>
+      </p:sp>
+      <p:sp>
+        <p:nvSpPr>
+          <p:cNvPr id="70" name="スライド番号プレースホルダー 69"/>
+          <p:cNvSpPr>
+            <a:spLocks noGrp="1"/>
+          </p:cNvSpPr>
+          <p:nvPr>
+            <p:ph type="sldNum" sz="quarter" idx="12"/>
+          </p:nvPr>
+        </p:nvSpPr>
+        <p:spPr/>
+        <p:txBody>
+          <a:bodyPr/>
+          <a:lstStyle/>
+          <a:p>
+            <a:fld id="{D2D8002D-B5B0-4BAC-B1F6-782DDCCE6D9C}" type="slidenum">
+              <a:rPr kumimoji="1" lang="ja-JP" altLang="en-US" smtClean="0"/>
+              <a:t>5</a:t>
+            </a:fld>
+            <a:endParaRPr kumimoji="1" lang="ja-JP" altLang="en-US"/>
+          </a:p>
+        </p:txBody>
+      </p:sp>
+    </p:spTree>
+    <p:extLst>
+      <p:ext uri="{BB962C8B-B14F-4D97-AF65-F5344CB8AC3E}">
+        <p14:creationId xmlns:p14="http://schemas.microsoft.com/office/powerpoint/2010/main" val="89281131"/>
+      </p:ext>
+    </p:extLst>
+  </p:cSld>
+  <p:clrMapOvr>
+    <a:masterClrMapping/>
+  </p:clrMapOvr>
+</p:sld>
+</file>
+
+<file path=ppt/slides/slide6.xml><?xml version="1.0" encoding="utf-8"?>
+<p:sld xmlns:a="http://schemas.openxmlformats.org/drawingml/2006/main" xmlns:r="http://schemas.openxmlformats.org/officeDocument/2006/relationships" xmlns:p="http://schemas.openxmlformats.org/presentationml/2006/main">
+  <p:cSld>
+    <p:spTree>
+      <p:nvGrpSpPr>
+        <p:cNvPr id="1" name=""/>
+        <p:cNvGrpSpPr/>
+        <p:nvPr/>
+      </p:nvGrpSpPr>
+      <p:grpSpPr>
+        <a:xfrm>
+          <a:off x="0" y="0"/>
+          <a:ext cx="0" cy="0"/>
+          <a:chOff x="0" y="0"/>
+          <a:chExt cx="0" cy="0"/>
+        </a:xfrm>
+      </p:grpSpPr>
       <p:pic>
         <p:nvPicPr>
           <p:cNvPr id="2050" name="Picture 2"/>
@@ -16085,7 +18751,7 @@
 </p:sld>
 </file>
 
-<file path=ppt/slides/slide4.xml><?xml version="1.0" encoding="utf-8"?>
+<file path=ppt/slides/slide7.xml><?xml version="1.0" encoding="utf-8"?>
 <p:sld xmlns:a="http://schemas.openxmlformats.org/drawingml/2006/main" xmlns:r="http://schemas.openxmlformats.org/officeDocument/2006/relationships" xmlns:p="http://schemas.openxmlformats.org/presentationml/2006/main">
   <p:cSld>
     <p:spTree>
@@ -16220,11 +18886,7 @@
             <a:pPr lvl="1"/>
             <a:r>
               <a:rPr lang="ja-JP" altLang="en-US" dirty="0" smtClean="0"/>
-              <a:t>帯域</a:t>
-            </a:r>
-            <a:r>
-              <a:rPr lang="ja-JP" altLang="en-US" dirty="0" smtClean="0"/>
-              <a:t>パワー・変調スペクトルそれぞれの特徴ベクトルをノルムが</a:t>
+              <a:t>帯域パワー・変調スペクトルそれぞれの特徴ベクトルをノルムが</a:t>
             </a:r>
             <a:r>
               <a:rPr lang="en-US" altLang="ja-JP" dirty="0" smtClean="0"/>
@@ -16347,7 +19009,7 @@
 </p:sld>
 </file>
 
-<file path=ppt/slides/slide5.xml><?xml version="1.0" encoding="utf-8"?>
+<file path=ppt/slides/slide8.xml><?xml version="1.0" encoding="utf-8"?>
 <p:sld xmlns:a="http://schemas.openxmlformats.org/drawingml/2006/main" xmlns:r="http://schemas.openxmlformats.org/officeDocument/2006/relationships" xmlns:p="http://schemas.openxmlformats.org/presentationml/2006/main">
   <p:cSld>
     <p:spTree>
@@ -16593,7 +19255,7 @@
 </p:sld>
 </file>
 
-<file path=ppt/slides/slide6.xml><?xml version="1.0" encoding="utf-8"?>
+<file path=ppt/slides/slide9.xml><?xml version="1.0" encoding="utf-8"?>
 <p:sld xmlns:a="http://schemas.openxmlformats.org/drawingml/2006/main" xmlns:r="http://schemas.openxmlformats.org/officeDocument/2006/relationships" xmlns:p="http://schemas.openxmlformats.org/presentationml/2006/main">
   <p:cSld>
     <p:spTree>
@@ -16692,502 +19354,6 @@
       </p:par>
     </p:tnLst>
   </p:timing>
-</p:sld>
-</file>
-
-<file path=ppt/slides/slide7.xml><?xml version="1.0" encoding="utf-8"?>
-<p:sld xmlns:a="http://schemas.openxmlformats.org/drawingml/2006/main" xmlns:r="http://schemas.openxmlformats.org/officeDocument/2006/relationships" xmlns:p="http://schemas.openxmlformats.org/presentationml/2006/main">
-  <p:cSld>
-    <p:spTree>
-      <p:nvGrpSpPr>
-        <p:cNvPr id="1" name=""/>
-        <p:cNvGrpSpPr/>
-        <p:nvPr/>
-      </p:nvGrpSpPr>
-      <p:grpSpPr>
-        <a:xfrm>
-          <a:off x="0" y="0"/>
-          <a:ext cx="0" cy="0"/>
-          <a:chOff x="0" y="0"/>
-          <a:chExt cx="0" cy="0"/>
-        </a:xfrm>
-      </p:grpSpPr>
-      <p:sp>
-        <p:nvSpPr>
-          <p:cNvPr id="5" name="コンテンツ プレースホルダー 4"/>
-          <p:cNvSpPr>
-            <a:spLocks noGrp="1"/>
-          </p:cNvSpPr>
-          <p:nvPr>
-            <p:ph idx="1"/>
-          </p:nvPr>
-        </p:nvSpPr>
-        <p:spPr>
-          <a:xfrm>
-            <a:off x="323528" y="4581128"/>
-            <a:ext cx="8424936" cy="2049091"/>
-          </a:xfrm>
-        </p:spPr>
-        <p:txBody>
-          <a:bodyPr/>
-          <a:lstStyle/>
-          <a:p>
-            <a:r>
-              <a:rPr kumimoji="1" lang="ja-JP" altLang="en-US" dirty="0" smtClean="0"/>
-              <a:t>帯域パワースペクトル密度（</a:t>
-            </a:r>
-            <a:r>
-              <a:rPr kumimoji="1" lang="en-US" altLang="ja-JP" dirty="0" smtClean="0"/>
-              <a:t>PSD</a:t>
-            </a:r>
-            <a:r>
-              <a:rPr kumimoji="1" lang="ja-JP" altLang="en-US" dirty="0" smtClean="0"/>
-              <a:t>）の最低レベルの検出と統計的に外れ値を検出することで発声区間を認識している</a:t>
-            </a:r>
-            <a:endParaRPr kumimoji="1" lang="en-US" altLang="ja-JP" dirty="0" smtClean="0"/>
-          </a:p>
-          <a:p>
-            <a:r>
-              <a:rPr lang="ja-JP" altLang="en-US" dirty="0" smtClean="0"/>
-              <a:t>分散値・最低値の更新のために、デフォルトでは</a:t>
-            </a:r>
-            <a:r>
-              <a:rPr lang="en-US" altLang="ja-JP" dirty="0" smtClean="0"/>
-              <a:t>10</a:t>
-            </a:r>
-            <a:r>
-              <a:rPr lang="ja-JP" altLang="en-US" dirty="0" smtClean="0"/>
-              <a:t>秒間ほどデータを保持する（リングバッファを実装）</a:t>
-            </a:r>
-            <a:endParaRPr kumimoji="1" lang="ja-JP" altLang="en-US" dirty="0"/>
-          </a:p>
-        </p:txBody>
-      </p:sp>
-      <p:sp>
-        <p:nvSpPr>
-          <p:cNvPr id="4" name="タイトル 3"/>
-          <p:cNvSpPr>
-            <a:spLocks noGrp="1"/>
-          </p:cNvSpPr>
-          <p:nvPr>
-            <p:ph type="title"/>
-          </p:nvPr>
-        </p:nvSpPr>
-        <p:spPr/>
-        <p:txBody>
-          <a:bodyPr>
-            <a:normAutofit fontScale="90000"/>
-          </a:bodyPr>
-          <a:lstStyle/>
-          <a:p>
-            <a:r>
-              <a:rPr kumimoji="1" lang="ja-JP" altLang="en-US" dirty="0" smtClean="0"/>
-              <a:t>アルゴリズムは</a:t>
-            </a:r>
-            <a:r>
-              <a:rPr kumimoji="1" lang="en-US" altLang="ja-JP" dirty="0" smtClean="0"/>
-              <a:t/>
-            </a:r>
-            <a:br>
-              <a:rPr kumimoji="1" lang="en-US" altLang="ja-JP" dirty="0" smtClean="0"/>
-            </a:br>
-            <a:r>
-              <a:rPr kumimoji="1" lang="ja-JP" altLang="en-US" dirty="0" smtClean="0"/>
-              <a:t>リアルタイム検出向け</a:t>
-            </a:r>
-            <a:endParaRPr kumimoji="1" lang="ja-JP" altLang="en-US" dirty="0"/>
-          </a:p>
-        </p:txBody>
-      </p:sp>
-      <p:pic>
-        <p:nvPicPr>
-          <p:cNvPr id="1028" name="Picture 4"/>
-          <p:cNvPicPr>
-            <a:picLocks noChangeAspect="1" noChangeArrowheads="1"/>
-          </p:cNvPicPr>
-          <p:nvPr/>
-        </p:nvPicPr>
-        <p:blipFill>
-          <a:blip r:embed="rId2">
-            <a:extLst>
-              <a:ext uri="{28A0092B-C50C-407E-A947-70E740481C1C}">
-                <a14:useLocalDpi xmlns:a14="http://schemas.microsoft.com/office/drawing/2010/main" val="0"/>
-              </a:ext>
-            </a:extLst>
-          </a:blip>
-          <a:srcRect/>
-          <a:stretch>
-            <a:fillRect/>
-          </a:stretch>
-        </p:blipFill>
-        <p:spPr bwMode="auto">
-          <a:xfrm>
-            <a:off x="35496" y="1916832"/>
-            <a:ext cx="8954453" cy="2448272"/>
-          </a:xfrm>
-          <a:prstGeom prst="rect">
-            <a:avLst/>
-          </a:prstGeom>
-          <a:noFill/>
-          <a:ln>
-            <a:noFill/>
-          </a:ln>
-          <a:effectLst/>
-          <a:extLst>
-            <a:ext uri="{909E8E84-426E-40DD-AFC4-6F175D3DCCD1}">
-              <a14:hiddenFill xmlns:a14="http://schemas.microsoft.com/office/drawing/2010/main">
-                <a:solidFill>
-                  <a:schemeClr val="accent1"/>
-                </a:solidFill>
-              </a14:hiddenFill>
-            </a:ext>
-            <a:ext uri="{91240B29-F687-4F45-9708-019B960494DF}">
-              <a14:hiddenLine xmlns:a14="http://schemas.microsoft.com/office/drawing/2010/main" w="9525">
-                <a:solidFill>
-                  <a:schemeClr val="tx1"/>
-                </a:solidFill>
-                <a:miter lim="800000"/>
-                <a:headEnd/>
-                <a:tailEnd/>
-              </a14:hiddenLine>
-            </a:ext>
-            <a:ext uri="{AF507438-7753-43E0-B8FC-AC1667EBCBE1}">
-              <a14:hiddenEffects xmlns:a14="http://schemas.microsoft.com/office/drawing/2010/main">
-                <a:effectLst>
-                  <a:outerShdw dist="35921" dir="2700000" algn="ctr" rotWithShape="0">
-                    <a:schemeClr val="bg2"/>
-                  </a:outerShdw>
-                </a:effectLst>
-              </a14:hiddenEffects>
-            </a:ext>
-          </a:extLst>
-        </p:spPr>
-      </p:pic>
-    </p:spTree>
-    <p:extLst>
-      <p:ext uri="{BB962C8B-B14F-4D97-AF65-F5344CB8AC3E}">
-        <p14:creationId xmlns:p14="http://schemas.microsoft.com/office/powerpoint/2010/main" val="3588164618"/>
-      </p:ext>
-    </p:extLst>
-  </p:cSld>
-  <p:clrMapOvr>
-    <a:masterClrMapping/>
-  </p:clrMapOvr>
-  <p:timing>
-    <p:tnLst>
-      <p:par>
-        <p:cTn id="1" dur="indefinite" restart="never" nodeType="tmRoot"/>
-      </p:par>
-    </p:tnLst>
-  </p:timing>
-</p:sld>
-</file>
-
-<file path=ppt/slides/slide8.xml><?xml version="1.0" encoding="utf-8"?>
-<p:sld xmlns:a="http://schemas.openxmlformats.org/drawingml/2006/main" xmlns:r="http://schemas.openxmlformats.org/officeDocument/2006/relationships" xmlns:p="http://schemas.openxmlformats.org/presentationml/2006/main">
-  <p:cSld>
-    <p:spTree>
-      <p:nvGrpSpPr>
-        <p:cNvPr id="1" name=""/>
-        <p:cNvGrpSpPr/>
-        <p:nvPr/>
-      </p:nvGrpSpPr>
-      <p:grpSpPr>
-        <a:xfrm>
-          <a:off x="0" y="0"/>
-          <a:ext cx="0" cy="0"/>
-          <a:chOff x="0" y="0"/>
-          <a:chExt cx="0" cy="0"/>
-        </a:xfrm>
-      </p:grpSpPr>
-      <p:sp>
-        <p:nvSpPr>
-          <p:cNvPr id="4" name="タイトル 3"/>
-          <p:cNvSpPr>
-            <a:spLocks noGrp="1"/>
-          </p:cNvSpPr>
-          <p:nvPr>
-            <p:ph type="title"/>
-          </p:nvPr>
-        </p:nvSpPr>
-        <p:spPr>
-          <a:xfrm>
-            <a:off x="690032" y="2463560"/>
-            <a:ext cx="8058432" cy="1524000"/>
-          </a:xfrm>
-        </p:spPr>
-        <p:txBody>
-          <a:bodyPr>
-            <a:normAutofit fontScale="90000"/>
-          </a:bodyPr>
-          <a:lstStyle/>
-          <a:p>
-            <a:r>
-              <a:rPr kumimoji="1" lang="ja-JP" altLang="en-US" dirty="0" smtClean="0"/>
-              <a:t>実装して</a:t>
-            </a:r>
-            <a:r>
-              <a:rPr kumimoji="1" lang="ja-JP" altLang="en-US" dirty="0" smtClean="0"/>
-              <a:t>いる</a:t>
-            </a:r>
-            <a:r>
-              <a:rPr kumimoji="1" lang="en-US" altLang="ja-JP" dirty="0" smtClean="0"/>
-              <a:t/>
-            </a:r>
-            <a:br>
-              <a:rPr kumimoji="1" lang="en-US" altLang="ja-JP" dirty="0" smtClean="0"/>
-            </a:br>
-            <a:r>
-              <a:rPr kumimoji="1" lang="ja-JP" altLang="en-US" dirty="0" smtClean="0"/>
-              <a:t>ニューラルネット</a:t>
-            </a:r>
-            <a:r>
-              <a:rPr lang="ja-JP" altLang="en-US" dirty="0" smtClean="0"/>
-              <a:t>（</a:t>
-            </a:r>
-            <a:r>
-              <a:rPr lang="en-US" altLang="ja-JP" dirty="0" smtClean="0"/>
-              <a:t>NN</a:t>
-            </a:r>
-            <a:r>
-              <a:rPr lang="ja-JP" altLang="en-US" dirty="0" smtClean="0"/>
-              <a:t>）</a:t>
-            </a:r>
-            <a:r>
-              <a:rPr kumimoji="1" lang="ja-JP" altLang="en-US" dirty="0" smtClean="0"/>
-              <a:t>の特徴</a:t>
-            </a:r>
-            <a:endParaRPr kumimoji="1" lang="ja-JP" altLang="en-US" dirty="0"/>
-          </a:p>
-        </p:txBody>
-      </p:sp>
-      <p:sp>
-        <p:nvSpPr>
-          <p:cNvPr id="5" name="テキスト プレースホルダー 4"/>
-          <p:cNvSpPr>
-            <a:spLocks noGrp="1"/>
-          </p:cNvSpPr>
-          <p:nvPr>
-            <p:ph type="body" idx="1"/>
-          </p:nvPr>
-        </p:nvSpPr>
-        <p:spPr/>
-        <p:txBody>
-          <a:bodyPr/>
-          <a:lstStyle/>
-          <a:p>
-            <a:endParaRPr kumimoji="1" lang="ja-JP" altLang="en-US"/>
-          </a:p>
-        </p:txBody>
-      </p:sp>
-    </p:spTree>
-    <p:extLst>
-      <p:ext uri="{BB962C8B-B14F-4D97-AF65-F5344CB8AC3E}">
-        <p14:creationId xmlns:p14="http://schemas.microsoft.com/office/powerpoint/2010/main" val="2620298534"/>
-      </p:ext>
-    </p:extLst>
-  </p:cSld>
-  <p:clrMapOvr>
-    <a:masterClrMapping/>
-  </p:clrMapOvr>
-  <p:timing>
-    <p:tnLst>
-      <p:par>
-        <p:cTn id="1" dur="indefinite" restart="never" nodeType="tmRoot"/>
-      </p:par>
-    </p:tnLst>
-  </p:timing>
-</p:sld>
-</file>
-
-<file path=ppt/slides/slide9.xml><?xml version="1.0" encoding="utf-8"?>
-<p:sld xmlns:a="http://schemas.openxmlformats.org/drawingml/2006/main" xmlns:r="http://schemas.openxmlformats.org/officeDocument/2006/relationships" xmlns:p="http://schemas.openxmlformats.org/presentationml/2006/main">
-  <p:cSld>
-    <p:spTree>
-      <p:nvGrpSpPr>
-        <p:cNvPr id="1" name=""/>
-        <p:cNvGrpSpPr/>
-        <p:nvPr/>
-      </p:nvGrpSpPr>
-      <p:grpSpPr>
-        <a:xfrm>
-          <a:off x="0" y="0"/>
-          <a:ext cx="0" cy="0"/>
-          <a:chOff x="0" y="0"/>
-          <a:chExt cx="0" cy="0"/>
-        </a:xfrm>
-      </p:grpSpPr>
-      <p:sp>
-        <p:nvSpPr>
-          <p:cNvPr id="5" name="コンテンツ プレースホルダー 4"/>
-          <p:cNvSpPr>
-            <a:spLocks noGrp="1"/>
-          </p:cNvSpPr>
-          <p:nvPr>
-            <p:ph idx="1"/>
-          </p:nvPr>
-        </p:nvSpPr>
-        <p:spPr>
-          <a:xfrm>
-            <a:off x="0" y="2060848"/>
-            <a:ext cx="9144001" cy="4797152"/>
-          </a:xfrm>
-        </p:spPr>
-        <p:txBody>
-          <a:bodyPr>
-            <a:normAutofit lnSpcReduction="10000"/>
-          </a:bodyPr>
-          <a:lstStyle/>
-          <a:p>
-            <a:r>
-              <a:rPr lang="ja-JP" altLang="en-US" sz="2800" dirty="0" smtClean="0"/>
-              <a:t>教師</a:t>
-            </a:r>
-            <a:r>
-              <a:rPr lang="ja-JP" altLang="en-US" sz="2800" dirty="0" smtClean="0"/>
-              <a:t>ベクトル長は可変</a:t>
-            </a:r>
-            <a:endParaRPr lang="en-US" altLang="ja-JP" sz="2800" dirty="0" smtClean="0"/>
-          </a:p>
-          <a:p>
-            <a:r>
-              <a:rPr lang="ja-JP" altLang="en-US" sz="2800" dirty="0" smtClean="0"/>
-              <a:t>モデル数・教師</a:t>
-            </a:r>
-            <a:r>
-              <a:rPr lang="ja-JP" altLang="en-US" sz="2800" dirty="0" smtClean="0"/>
-              <a:t>データ数も可変</a:t>
-            </a:r>
-            <a:endParaRPr lang="en-US" altLang="ja-JP" sz="2800" dirty="0" smtClean="0"/>
-          </a:p>
-          <a:p>
-            <a:pPr lvl="1"/>
-            <a:r>
-              <a:rPr lang="ja-JP" altLang="en-US" sz="2400" dirty="0" smtClean="0"/>
-              <a:t>ソースコード</a:t>
-            </a:r>
-            <a:r>
-              <a:rPr lang="ja-JP" altLang="en-US" sz="2400" dirty="0" smtClean="0"/>
-              <a:t>の変更は不要</a:t>
-            </a:r>
-            <a:endParaRPr lang="en-US" altLang="ja-JP" sz="2400" dirty="0" smtClean="0"/>
-          </a:p>
-          <a:p>
-            <a:endParaRPr lang="en-US" altLang="ja-JP" sz="2800" dirty="0" smtClean="0"/>
-          </a:p>
-          <a:p>
-            <a:r>
-              <a:rPr lang="ja-JP" altLang="en-US" sz="2800" dirty="0" smtClean="0"/>
-              <a:t>結合係数・閾値の初期値</a:t>
-            </a:r>
-            <a:r>
-              <a:rPr lang="en-US" altLang="ja-JP" sz="2800" dirty="0" smtClean="0"/>
-              <a:t>x</a:t>
-            </a:r>
-            <a:r>
-              <a:rPr lang="ja-JP" altLang="en-US" sz="2800" dirty="0" smtClean="0"/>
-              <a:t>は</a:t>
-            </a:r>
-            <a:endParaRPr lang="en-US" altLang="ja-JP" sz="2800" dirty="0" smtClean="0"/>
-          </a:p>
-          <a:p>
-            <a:pPr lvl="1"/>
-            <a:r>
-              <a:rPr lang="en-US" altLang="ja-JP" sz="2400" dirty="0" smtClean="0"/>
-              <a:t>-1.0 &lt; x &lt; -0.1 and 0.1 &lt; x &lt; 1.0</a:t>
-            </a:r>
-          </a:p>
-          <a:p>
-            <a:pPr lvl="1"/>
-            <a:r>
-              <a:rPr lang="en-US" altLang="ja-JP" sz="2400" dirty="0" smtClean="0"/>
-              <a:t>0</a:t>
-            </a:r>
-            <a:r>
-              <a:rPr lang="ja-JP" altLang="en-US" sz="2400" dirty="0" smtClean="0"/>
-              <a:t>近傍を避け、負値を含むことで若干</a:t>
-            </a:r>
-            <a:r>
-              <a:rPr lang="ja-JP" altLang="en-US" sz="2400" dirty="0"/>
-              <a:t>だ</a:t>
-            </a:r>
-            <a:r>
-              <a:rPr lang="ja-JP" altLang="en-US" sz="2400" dirty="0" smtClean="0"/>
-              <a:t>が収束性が良くなる</a:t>
-            </a:r>
-            <a:endParaRPr lang="en-US" altLang="ja-JP" sz="2400" dirty="0" smtClean="0"/>
-          </a:p>
-          <a:p>
-            <a:r>
-              <a:rPr lang="ja-JP" altLang="en-US" sz="2800" dirty="0" smtClean="0"/>
-              <a:t>特徴ベクトル一つ学習する毎に結合係数を更新</a:t>
-            </a:r>
-            <a:endParaRPr lang="en-US" altLang="ja-JP" sz="2800" dirty="0" smtClean="0"/>
-          </a:p>
-          <a:p>
-            <a:r>
-              <a:rPr lang="ja-JP" altLang="en-US" sz="2800" dirty="0"/>
-              <a:t>標準で</a:t>
-            </a:r>
-            <a:r>
-              <a:rPr lang="ja-JP" altLang="en-US" sz="2800" dirty="0" smtClean="0"/>
-              <a:t>は出力誤差値に</a:t>
-            </a:r>
-            <a:r>
-              <a:rPr lang="en-US" altLang="ja-JP" sz="2800" dirty="0" smtClean="0"/>
-              <a:t>0 &lt; r &lt; 0.1</a:t>
-            </a:r>
-            <a:r>
-              <a:rPr lang="ja-JP" altLang="en-US" sz="2800" dirty="0" smtClean="0"/>
-              <a:t>の乱数を加えている</a:t>
-            </a:r>
-            <a:endParaRPr lang="en-US" altLang="ja-JP" sz="2800" dirty="0" smtClean="0"/>
-          </a:p>
-          <a:p>
-            <a:pPr lvl="1"/>
-            <a:r>
-              <a:rPr lang="ja-JP" altLang="en-US" sz="2400" dirty="0" smtClean="0"/>
-              <a:t>これも収束性をよくし、かつ局所解を回避できる</a:t>
-            </a:r>
-            <a:endParaRPr lang="en-US" altLang="ja-JP" sz="2400" dirty="0" smtClean="0"/>
-          </a:p>
-        </p:txBody>
-      </p:sp>
-      <p:sp>
-        <p:nvSpPr>
-          <p:cNvPr id="4" name="タイトル 3"/>
-          <p:cNvSpPr>
-            <a:spLocks noGrp="1"/>
-          </p:cNvSpPr>
-          <p:nvPr>
-            <p:ph type="title"/>
-          </p:nvPr>
-        </p:nvSpPr>
-        <p:spPr/>
-        <p:txBody>
-          <a:bodyPr>
-            <a:normAutofit/>
-          </a:bodyPr>
-          <a:lstStyle/>
-          <a:p>
-            <a:r>
-              <a:rPr kumimoji="1" lang="ja-JP" altLang="en-US" dirty="0" smtClean="0"/>
-              <a:t>主な特徴</a:t>
-            </a:r>
-            <a:endParaRPr kumimoji="1" lang="ja-JP" altLang="en-US" dirty="0"/>
-          </a:p>
-        </p:txBody>
-      </p:sp>
-    </p:spTree>
-    <p:extLst>
-      <p:ext uri="{BB962C8B-B14F-4D97-AF65-F5344CB8AC3E}">
-        <p14:creationId xmlns:p14="http://schemas.microsoft.com/office/powerpoint/2010/main" val="3166422806"/>
-      </p:ext>
-    </p:extLst>
-  </p:cSld>
-  <p:clrMapOvr>
-    <a:masterClrMapping/>
-  </p:clrMapOvr>
 </p:sld>
 </file>
 
